--- a/Docs/Project_Overview_Management.pptx
+++ b/Docs/Project_Overview_Management.pptx
@@ -5,11 +5,17 @@
     <p:sldMasterId id="2147483648" r:id="rId1"/>
   </p:sldMasterIdLst>
   <p:sldIdLst>
-    <p:sldId id="256" r:id="rId7"/>
-    <p:sldId id="257" r:id="rId8"/>
-    <p:sldId id="258" r:id="rId9"/>
-    <p:sldId id="259" r:id="rId10"/>
-    <p:sldId id="260" r:id="rId11"/>
+    <p:sldId id="256" r:id="rId2"/>
+    <p:sldId id="257" r:id="rId3"/>
+    <p:sldId id="258" r:id="rId4"/>
+    <p:sldId id="259" r:id="rId5"/>
+    <p:sldId id="260" r:id="rId6"/>
+    <p:sldId id="261" r:id="rId7"/>
+    <p:sldId id="262" r:id="rId8"/>
+    <p:sldId id="263" r:id="rId9"/>
+    <p:sldId id="264" r:id="rId10"/>
+    <p:sldId id="265" r:id="rId11"/>
+    <p:sldId id="266" r:id="rId12"/>
   </p:sldIdLst>
   <p:sldSz cx="9144000" cy="6858000" type="screen4x3"/>
   <p:notesSz cx="6858000" cy="9144000"/>
@@ -108,6 +114,22 @@
       </a:defRPr>
     </a:lvl9pPr>
   </p:defaultTextStyle>
+  <p:extLst>
+    <p:ext uri="{EFAFB233-063F-42B5-8137-9DF3F51BA10A}">
+      <p15:sldGuideLst xmlns:p15="http://schemas.microsoft.com/office/powerpoint/2012/main">
+        <p15:guide id="1" orient="horz" pos="2160">
+          <p15:clr>
+            <a:srgbClr val="A4A3A4"/>
+          </p15:clr>
+        </p15:guide>
+        <p15:guide id="2" pos="2880">
+          <p15:clr>
+            <a:srgbClr val="A4A3A4"/>
+          </p15:clr>
+        </p15:guide>
+      </p15:sldGuideLst>
+    </p:ext>
+  </p:extLst>
 </p:presentation>
 </file>
 
@@ -149,10 +171,9 @@
           <a:lstStyle/>
           <a:p>
             <a:r>
-              <a:rPr lang="en-US" smtClean="0"/>
+              <a:rPr lang="en-US"/>
               <a:t>Click to edit Master title style</a:t>
             </a:r>
-            <a:endParaRPr lang="en-US"/>
           </a:p>
         </p:txBody>
       </p:sp>
@@ -268,10 +289,9 @@
           </a:lstStyle>
           <a:p>
             <a:r>
-              <a:rPr lang="en-US" smtClean="0"/>
+              <a:rPr lang="en-US"/>
               <a:t>Click to edit Master subtitle style</a:t>
             </a:r>
-            <a:endParaRPr lang="en-US"/>
           </a:p>
         </p:txBody>
       </p:sp>
@@ -292,7 +312,7 @@
           <a:p>
             <a:fld id="{5BCAD085-E8A6-8845-BD4E-CB4CCA059FC4}" type="datetimeFigureOut">
               <a:rPr lang="en-US" smtClean="0"/>
-              <a:t>1/27/13</a:t>
+              <a:t>2/24/2026</a:t>
             </a:fld>
             <a:endParaRPr lang="en-US"/>
           </a:p>
@@ -386,10 +406,9 @@
           <a:lstStyle/>
           <a:p>
             <a:r>
-              <a:rPr lang="en-US" smtClean="0"/>
+              <a:rPr lang="en-US"/>
               <a:t>Click to edit Master title style</a:t>
             </a:r>
-            <a:endParaRPr lang="en-US"/>
           </a:p>
         </p:txBody>
       </p:sp>
@@ -410,38 +429,37 @@
           <a:p>
             <a:pPr lvl="0"/>
             <a:r>
-              <a:rPr lang="en-US" smtClean="0"/>
+              <a:rPr lang="en-US"/>
               <a:t>Click to edit Master text styles</a:t>
             </a:r>
           </a:p>
           <a:p>
             <a:pPr lvl="1"/>
             <a:r>
-              <a:rPr lang="en-US" smtClean="0"/>
+              <a:rPr lang="en-US"/>
               <a:t>Second level</a:t>
             </a:r>
           </a:p>
           <a:p>
             <a:pPr lvl="2"/>
             <a:r>
-              <a:rPr lang="en-US" smtClean="0"/>
+              <a:rPr lang="en-US"/>
               <a:t>Third level</a:t>
             </a:r>
           </a:p>
           <a:p>
             <a:pPr lvl="3"/>
             <a:r>
-              <a:rPr lang="en-US" smtClean="0"/>
+              <a:rPr lang="en-US"/>
               <a:t>Fourth level</a:t>
             </a:r>
           </a:p>
           <a:p>
             <a:pPr lvl="4"/>
             <a:r>
-              <a:rPr lang="en-US" smtClean="0"/>
+              <a:rPr lang="en-US"/>
               <a:t>Fifth level</a:t>
             </a:r>
-            <a:endParaRPr lang="en-US"/>
           </a:p>
         </p:txBody>
       </p:sp>
@@ -462,7 +480,7 @@
           <a:p>
             <a:fld id="{5BCAD085-E8A6-8845-BD4E-CB4CCA059FC4}" type="datetimeFigureOut">
               <a:rPr lang="en-US" smtClean="0"/>
-              <a:t>1/27/13</a:t>
+              <a:t>2/24/2026</a:t>
             </a:fld>
             <a:endParaRPr lang="en-US"/>
           </a:p>
@@ -561,10 +579,9 @@
           <a:lstStyle/>
           <a:p>
             <a:r>
-              <a:rPr lang="en-US" smtClean="0"/>
+              <a:rPr lang="en-US"/>
               <a:t>Click to edit Master title style</a:t>
             </a:r>
-            <a:endParaRPr lang="en-US"/>
           </a:p>
         </p:txBody>
       </p:sp>
@@ -590,38 +607,37 @@
           <a:p>
             <a:pPr lvl="0"/>
             <a:r>
-              <a:rPr lang="en-US" smtClean="0"/>
+              <a:rPr lang="en-US"/>
               <a:t>Click to edit Master text styles</a:t>
             </a:r>
           </a:p>
           <a:p>
             <a:pPr lvl="1"/>
             <a:r>
-              <a:rPr lang="en-US" smtClean="0"/>
+              <a:rPr lang="en-US"/>
               <a:t>Second level</a:t>
             </a:r>
           </a:p>
           <a:p>
             <a:pPr lvl="2"/>
             <a:r>
-              <a:rPr lang="en-US" smtClean="0"/>
+              <a:rPr lang="en-US"/>
               <a:t>Third level</a:t>
             </a:r>
           </a:p>
           <a:p>
             <a:pPr lvl="3"/>
             <a:r>
-              <a:rPr lang="en-US" smtClean="0"/>
+              <a:rPr lang="en-US"/>
               <a:t>Fourth level</a:t>
             </a:r>
           </a:p>
           <a:p>
             <a:pPr lvl="4"/>
             <a:r>
-              <a:rPr lang="en-US" smtClean="0"/>
+              <a:rPr lang="en-US"/>
               <a:t>Fifth level</a:t>
             </a:r>
-            <a:endParaRPr lang="en-US"/>
           </a:p>
         </p:txBody>
       </p:sp>
@@ -642,7 +658,7 @@
           <a:p>
             <a:fld id="{5BCAD085-E8A6-8845-BD4E-CB4CCA059FC4}" type="datetimeFigureOut">
               <a:rPr lang="en-US" smtClean="0"/>
-              <a:t>1/27/13</a:t>
+              <a:t>2/24/2026</a:t>
             </a:fld>
             <a:endParaRPr lang="en-US"/>
           </a:p>
@@ -736,10 +752,9 @@
           <a:lstStyle/>
           <a:p>
             <a:r>
-              <a:rPr lang="en-US" smtClean="0"/>
+              <a:rPr lang="en-US"/>
               <a:t>Click to edit Master title style</a:t>
             </a:r>
-            <a:endParaRPr lang="en-US"/>
           </a:p>
         </p:txBody>
       </p:sp>
@@ -760,38 +775,37 @@
           <a:p>
             <a:pPr lvl="0"/>
             <a:r>
-              <a:rPr lang="en-US" smtClean="0"/>
+              <a:rPr lang="en-US"/>
               <a:t>Click to edit Master text styles</a:t>
             </a:r>
           </a:p>
           <a:p>
             <a:pPr lvl="1"/>
             <a:r>
-              <a:rPr lang="en-US" smtClean="0"/>
+              <a:rPr lang="en-US"/>
               <a:t>Second level</a:t>
             </a:r>
           </a:p>
           <a:p>
             <a:pPr lvl="2"/>
             <a:r>
-              <a:rPr lang="en-US" smtClean="0"/>
+              <a:rPr lang="en-US"/>
               <a:t>Third level</a:t>
             </a:r>
           </a:p>
           <a:p>
             <a:pPr lvl="3"/>
             <a:r>
-              <a:rPr lang="en-US" smtClean="0"/>
+              <a:rPr lang="en-US"/>
               <a:t>Fourth level</a:t>
             </a:r>
           </a:p>
           <a:p>
             <a:pPr lvl="4"/>
             <a:r>
-              <a:rPr lang="en-US" smtClean="0"/>
+              <a:rPr lang="en-US"/>
               <a:t>Fifth level</a:t>
             </a:r>
-            <a:endParaRPr lang="en-US"/>
           </a:p>
         </p:txBody>
       </p:sp>
@@ -812,7 +826,7 @@
           <a:p>
             <a:fld id="{5BCAD085-E8A6-8845-BD4E-CB4CCA059FC4}" type="datetimeFigureOut">
               <a:rPr lang="en-US" smtClean="0"/>
-              <a:t>1/27/13</a:t>
+              <a:t>2/24/2026</a:t>
             </a:fld>
             <a:endParaRPr lang="en-US"/>
           </a:p>
@@ -915,10 +929,9 @@
           </a:lstStyle>
           <a:p>
             <a:r>
-              <a:rPr lang="en-US" smtClean="0"/>
+              <a:rPr lang="en-US"/>
               <a:t>Click to edit Master title style</a:t>
             </a:r>
-            <a:endParaRPr lang="en-US"/>
           </a:p>
         </p:txBody>
       </p:sp>
@@ -1035,7 +1048,7 @@
           <a:p>
             <a:pPr lvl="0"/>
             <a:r>
-              <a:rPr lang="en-US" smtClean="0"/>
+              <a:rPr lang="en-US"/>
               <a:t>Click to edit Master text styles</a:t>
             </a:r>
           </a:p>
@@ -1058,7 +1071,7 @@
           <a:p>
             <a:fld id="{5BCAD085-E8A6-8845-BD4E-CB4CCA059FC4}" type="datetimeFigureOut">
               <a:rPr lang="en-US" smtClean="0"/>
-              <a:t>1/27/13</a:t>
+              <a:t>2/24/2026</a:t>
             </a:fld>
             <a:endParaRPr lang="en-US"/>
           </a:p>
@@ -1152,10 +1165,9 @@
           <a:lstStyle/>
           <a:p>
             <a:r>
-              <a:rPr lang="en-US" smtClean="0"/>
+              <a:rPr lang="en-US"/>
               <a:t>Click to edit Master title style</a:t>
             </a:r>
-            <a:endParaRPr lang="en-US"/>
           </a:p>
         </p:txBody>
       </p:sp>
@@ -1209,38 +1221,37 @@
           <a:p>
             <a:pPr lvl="0"/>
             <a:r>
-              <a:rPr lang="en-US" smtClean="0"/>
+              <a:rPr lang="en-US"/>
               <a:t>Click to edit Master text styles</a:t>
             </a:r>
           </a:p>
           <a:p>
             <a:pPr lvl="1"/>
             <a:r>
-              <a:rPr lang="en-US" smtClean="0"/>
+              <a:rPr lang="en-US"/>
               <a:t>Second level</a:t>
             </a:r>
           </a:p>
           <a:p>
             <a:pPr lvl="2"/>
             <a:r>
-              <a:rPr lang="en-US" smtClean="0"/>
+              <a:rPr lang="en-US"/>
               <a:t>Third level</a:t>
             </a:r>
           </a:p>
           <a:p>
             <a:pPr lvl="3"/>
             <a:r>
-              <a:rPr lang="en-US" smtClean="0"/>
+              <a:rPr lang="en-US"/>
               <a:t>Fourth level</a:t>
             </a:r>
           </a:p>
           <a:p>
             <a:pPr lvl="4"/>
             <a:r>
-              <a:rPr lang="en-US" smtClean="0"/>
+              <a:rPr lang="en-US"/>
               <a:t>Fifth level</a:t>
             </a:r>
-            <a:endParaRPr lang="en-US"/>
           </a:p>
         </p:txBody>
       </p:sp>
@@ -1294,38 +1305,37 @@
           <a:p>
             <a:pPr lvl="0"/>
             <a:r>
-              <a:rPr lang="en-US" smtClean="0"/>
+              <a:rPr lang="en-US"/>
               <a:t>Click to edit Master text styles</a:t>
             </a:r>
           </a:p>
           <a:p>
             <a:pPr lvl="1"/>
             <a:r>
-              <a:rPr lang="en-US" smtClean="0"/>
+              <a:rPr lang="en-US"/>
               <a:t>Second level</a:t>
             </a:r>
           </a:p>
           <a:p>
             <a:pPr lvl="2"/>
             <a:r>
-              <a:rPr lang="en-US" smtClean="0"/>
+              <a:rPr lang="en-US"/>
               <a:t>Third level</a:t>
             </a:r>
           </a:p>
           <a:p>
             <a:pPr lvl="3"/>
             <a:r>
-              <a:rPr lang="en-US" smtClean="0"/>
+              <a:rPr lang="en-US"/>
               <a:t>Fourth level</a:t>
             </a:r>
           </a:p>
           <a:p>
             <a:pPr lvl="4"/>
             <a:r>
-              <a:rPr lang="en-US" smtClean="0"/>
+              <a:rPr lang="en-US"/>
               <a:t>Fifth level</a:t>
             </a:r>
-            <a:endParaRPr lang="en-US"/>
           </a:p>
         </p:txBody>
       </p:sp>
@@ -1346,7 +1356,7 @@
           <a:p>
             <a:fld id="{5BCAD085-E8A6-8845-BD4E-CB4CCA059FC4}" type="datetimeFigureOut">
               <a:rPr lang="en-US" smtClean="0"/>
-              <a:t>1/27/13</a:t>
+              <a:t>2/24/2026</a:t>
             </a:fld>
             <a:endParaRPr lang="en-US"/>
           </a:p>
@@ -1444,10 +1454,9 @@
           </a:lstStyle>
           <a:p>
             <a:r>
-              <a:rPr lang="en-US" smtClean="0"/>
+              <a:rPr lang="en-US"/>
               <a:t>Click to edit Master title style</a:t>
             </a:r>
-            <a:endParaRPr lang="en-US"/>
           </a:p>
         </p:txBody>
       </p:sp>
@@ -1510,7 +1519,7 @@
           <a:p>
             <a:pPr lvl="0"/>
             <a:r>
-              <a:rPr lang="en-US" smtClean="0"/>
+              <a:rPr lang="en-US"/>
               <a:t>Click to edit Master text styles</a:t>
             </a:r>
           </a:p>
@@ -1566,38 +1575,37 @@
           <a:p>
             <a:pPr lvl="0"/>
             <a:r>
-              <a:rPr lang="en-US" smtClean="0"/>
+              <a:rPr lang="en-US"/>
               <a:t>Click to edit Master text styles</a:t>
             </a:r>
           </a:p>
           <a:p>
             <a:pPr lvl="1"/>
             <a:r>
-              <a:rPr lang="en-US" smtClean="0"/>
+              <a:rPr lang="en-US"/>
               <a:t>Second level</a:t>
             </a:r>
           </a:p>
           <a:p>
             <a:pPr lvl="2"/>
             <a:r>
-              <a:rPr lang="en-US" smtClean="0"/>
+              <a:rPr lang="en-US"/>
               <a:t>Third level</a:t>
             </a:r>
           </a:p>
           <a:p>
             <a:pPr lvl="3"/>
             <a:r>
-              <a:rPr lang="en-US" smtClean="0"/>
+              <a:rPr lang="en-US"/>
               <a:t>Fourth level</a:t>
             </a:r>
           </a:p>
           <a:p>
             <a:pPr lvl="4"/>
             <a:r>
-              <a:rPr lang="en-US" smtClean="0"/>
+              <a:rPr lang="en-US"/>
               <a:t>Fifth level</a:t>
             </a:r>
-            <a:endParaRPr lang="en-US"/>
           </a:p>
         </p:txBody>
       </p:sp>
@@ -1660,7 +1668,7 @@
           <a:p>
             <a:pPr lvl="0"/>
             <a:r>
-              <a:rPr lang="en-US" smtClean="0"/>
+              <a:rPr lang="en-US"/>
               <a:t>Click to edit Master text styles</a:t>
             </a:r>
           </a:p>
@@ -1716,38 +1724,37 @@
           <a:p>
             <a:pPr lvl="0"/>
             <a:r>
-              <a:rPr lang="en-US" smtClean="0"/>
+              <a:rPr lang="en-US"/>
               <a:t>Click to edit Master text styles</a:t>
             </a:r>
           </a:p>
           <a:p>
             <a:pPr lvl="1"/>
             <a:r>
-              <a:rPr lang="en-US" smtClean="0"/>
+              <a:rPr lang="en-US"/>
               <a:t>Second level</a:t>
             </a:r>
           </a:p>
           <a:p>
             <a:pPr lvl="2"/>
             <a:r>
-              <a:rPr lang="en-US" smtClean="0"/>
+              <a:rPr lang="en-US"/>
               <a:t>Third level</a:t>
             </a:r>
           </a:p>
           <a:p>
             <a:pPr lvl="3"/>
             <a:r>
-              <a:rPr lang="en-US" smtClean="0"/>
+              <a:rPr lang="en-US"/>
               <a:t>Fourth level</a:t>
             </a:r>
           </a:p>
           <a:p>
             <a:pPr lvl="4"/>
             <a:r>
-              <a:rPr lang="en-US" smtClean="0"/>
+              <a:rPr lang="en-US"/>
               <a:t>Fifth level</a:t>
             </a:r>
-            <a:endParaRPr lang="en-US"/>
           </a:p>
         </p:txBody>
       </p:sp>
@@ -1768,7 +1775,7 @@
           <a:p>
             <a:fld id="{5BCAD085-E8A6-8845-BD4E-CB4CCA059FC4}" type="datetimeFigureOut">
               <a:rPr lang="en-US" smtClean="0"/>
-              <a:t>1/27/13</a:t>
+              <a:t>2/24/2026</a:t>
             </a:fld>
             <a:endParaRPr lang="en-US"/>
           </a:p>
@@ -1862,10 +1869,9 @@
           <a:lstStyle/>
           <a:p>
             <a:r>
-              <a:rPr lang="en-US" smtClean="0"/>
+              <a:rPr lang="en-US"/>
               <a:t>Click to edit Master title style</a:t>
             </a:r>
-            <a:endParaRPr lang="en-US"/>
           </a:p>
         </p:txBody>
       </p:sp>
@@ -1886,7 +1892,7 @@
           <a:p>
             <a:fld id="{5BCAD085-E8A6-8845-BD4E-CB4CCA059FC4}" type="datetimeFigureOut">
               <a:rPr lang="en-US" smtClean="0"/>
-              <a:t>1/27/13</a:t>
+              <a:t>2/24/2026</a:t>
             </a:fld>
             <a:endParaRPr lang="en-US"/>
           </a:p>
@@ -1981,7 +1987,7 @@
           <a:p>
             <a:fld id="{5BCAD085-E8A6-8845-BD4E-CB4CCA059FC4}" type="datetimeFigureOut">
               <a:rPr lang="en-US" smtClean="0"/>
-              <a:t>1/27/13</a:t>
+              <a:t>2/24/2026</a:t>
             </a:fld>
             <a:endParaRPr lang="en-US"/>
           </a:p>
@@ -2084,10 +2090,9 @@
           </a:lstStyle>
           <a:p>
             <a:r>
-              <a:rPr lang="en-US" smtClean="0"/>
+              <a:rPr lang="en-US"/>
               <a:t>Click to edit Master title style</a:t>
             </a:r>
-            <a:endParaRPr lang="en-US"/>
           </a:p>
         </p:txBody>
       </p:sp>
@@ -2141,38 +2146,37 @@
           <a:p>
             <a:pPr lvl="0"/>
             <a:r>
-              <a:rPr lang="en-US" smtClean="0"/>
+              <a:rPr lang="en-US"/>
               <a:t>Click to edit Master text styles</a:t>
             </a:r>
           </a:p>
           <a:p>
             <a:pPr lvl="1"/>
             <a:r>
-              <a:rPr lang="en-US" smtClean="0"/>
+              <a:rPr lang="en-US"/>
               <a:t>Second level</a:t>
             </a:r>
           </a:p>
           <a:p>
             <a:pPr lvl="2"/>
             <a:r>
-              <a:rPr lang="en-US" smtClean="0"/>
+              <a:rPr lang="en-US"/>
               <a:t>Third level</a:t>
             </a:r>
           </a:p>
           <a:p>
             <a:pPr lvl="3"/>
             <a:r>
-              <a:rPr lang="en-US" smtClean="0"/>
+              <a:rPr lang="en-US"/>
               <a:t>Fourth level</a:t>
             </a:r>
           </a:p>
           <a:p>
             <a:pPr lvl="4"/>
             <a:r>
-              <a:rPr lang="en-US" smtClean="0"/>
+              <a:rPr lang="en-US"/>
               <a:t>Fifth level</a:t>
             </a:r>
-            <a:endParaRPr lang="en-US"/>
           </a:p>
         </p:txBody>
       </p:sp>
@@ -2235,7 +2239,7 @@
           <a:p>
             <a:pPr lvl="0"/>
             <a:r>
-              <a:rPr lang="en-US" smtClean="0"/>
+              <a:rPr lang="en-US"/>
               <a:t>Click to edit Master text styles</a:t>
             </a:r>
           </a:p>
@@ -2258,7 +2262,7 @@
           <a:p>
             <a:fld id="{5BCAD085-E8A6-8845-BD4E-CB4CCA059FC4}" type="datetimeFigureOut">
               <a:rPr lang="en-US" smtClean="0"/>
-              <a:t>1/27/13</a:t>
+              <a:t>2/24/2026</a:t>
             </a:fld>
             <a:endParaRPr lang="en-US"/>
           </a:p>
@@ -2361,10 +2365,9 @@
           </a:lstStyle>
           <a:p>
             <a:r>
-              <a:rPr lang="en-US" smtClean="0"/>
+              <a:rPr lang="en-US"/>
               <a:t>Click to edit Master title style</a:t>
             </a:r>
-            <a:endParaRPr lang="en-US"/>
           </a:p>
         </p:txBody>
       </p:sp>
@@ -2488,7 +2491,7 @@
           <a:p>
             <a:pPr lvl="0"/>
             <a:r>
-              <a:rPr lang="en-US" smtClean="0"/>
+              <a:rPr lang="en-US"/>
               <a:t>Click to edit Master text styles</a:t>
             </a:r>
           </a:p>
@@ -2511,7 +2514,7 @@
           <a:p>
             <a:fld id="{5BCAD085-E8A6-8845-BD4E-CB4CCA059FC4}" type="datetimeFigureOut">
               <a:rPr lang="en-US" smtClean="0"/>
-              <a:t>1/27/13</a:t>
+              <a:t>2/24/2026</a:t>
             </a:fld>
             <a:endParaRPr lang="en-US"/>
           </a:p>
@@ -2620,10 +2623,9 @@
           <a:lstStyle/>
           <a:p>
             <a:r>
-              <a:rPr lang="en-US" smtClean="0"/>
+              <a:rPr lang="en-US"/>
               <a:t>Click to edit Master title style</a:t>
             </a:r>
-            <a:endParaRPr lang="en-US"/>
           </a:p>
         </p:txBody>
       </p:sp>
@@ -2654,38 +2656,37 @@
           <a:p>
             <a:pPr lvl="0"/>
             <a:r>
-              <a:rPr lang="en-US" smtClean="0"/>
+              <a:rPr lang="en-US"/>
               <a:t>Click to edit Master text styles</a:t>
             </a:r>
           </a:p>
           <a:p>
             <a:pPr lvl="1"/>
             <a:r>
-              <a:rPr lang="en-US" smtClean="0"/>
+              <a:rPr lang="en-US"/>
               <a:t>Second level</a:t>
             </a:r>
           </a:p>
           <a:p>
             <a:pPr lvl="2"/>
             <a:r>
-              <a:rPr lang="en-US" smtClean="0"/>
+              <a:rPr lang="en-US"/>
               <a:t>Third level</a:t>
             </a:r>
           </a:p>
           <a:p>
             <a:pPr lvl="3"/>
             <a:r>
-              <a:rPr lang="en-US" smtClean="0"/>
+              <a:rPr lang="en-US"/>
               <a:t>Fourth level</a:t>
             </a:r>
           </a:p>
           <a:p>
             <a:pPr lvl="4"/>
             <a:r>
-              <a:rPr lang="en-US" smtClean="0"/>
+              <a:rPr lang="en-US"/>
               <a:t>Fifth level</a:t>
             </a:r>
-            <a:endParaRPr lang="en-US"/>
           </a:p>
         </p:txBody>
       </p:sp>
@@ -2724,7 +2725,7 @@
           <a:p>
             <a:fld id="{5BCAD085-E8A6-8845-BD4E-CB4CCA059FC4}" type="datetimeFigureOut">
               <a:rPr lang="en-US" smtClean="0"/>
-              <a:t>1/27/13</a:t>
+              <a:t>2/24/2026</a:t>
             </a:fld>
             <a:endParaRPr lang="en-US"/>
           </a:p>
@@ -3083,7 +3084,7 @@
 </file>
 
 <file path=ppt/slides/slide1.xml><?xml version="1.0" encoding="utf-8"?>
-<p:sld xmlns:a="http://schemas.openxmlformats.org/drawingml/2006/main" xmlns:p="http://schemas.openxmlformats.org/presentationml/2006/main" xmlns:r="http://schemas.openxmlformats.org/officeDocument/2006/relationships">
+<p:sld xmlns:a="http://schemas.openxmlformats.org/drawingml/2006/main" xmlns:r="http://schemas.openxmlformats.org/officeDocument/2006/relationships" xmlns:p="http://schemas.openxmlformats.org/presentationml/2006/main">
   <p:cSld>
     <p:spTree>
       <p:nvGrpSpPr>
@@ -3091,7 +3092,14 @@
         <p:cNvGrpSpPr/>
         <p:nvPr/>
       </p:nvGrpSpPr>
-      <p:grpSpPr/>
+      <p:grpSpPr>
+        <a:xfrm>
+          <a:off x="0" y="0"/>
+          <a:ext cx="0" cy="0"/>
+          <a:chOff x="0" y="0"/>
+          <a:chExt cx="0" cy="0"/>
+        </a:xfrm>
+      </p:grpSpPr>
       <p:sp>
         <p:nvSpPr>
           <p:cNvPr id="2" name="TextBox 1"/>
@@ -3166,8 +3174,8 @@
 </p:sld>
 </file>
 
-<file path=ppt/slides/slide2.xml><?xml version="1.0" encoding="utf-8"?>
-<p:sld xmlns:a="http://schemas.openxmlformats.org/drawingml/2006/main" xmlns:p="http://schemas.openxmlformats.org/presentationml/2006/main" xmlns:r="http://schemas.openxmlformats.org/officeDocument/2006/relationships">
+<file path=ppt/slides/slide10.xml><?xml version="1.0" encoding="utf-8"?>
+<p:sld xmlns:a="http://schemas.openxmlformats.org/drawingml/2006/main" xmlns:r="http://schemas.openxmlformats.org/officeDocument/2006/relationships" xmlns:p="http://schemas.openxmlformats.org/presentationml/2006/main">
   <p:cSld>
     <p:spTree>
       <p:nvGrpSpPr>
@@ -3175,7 +3183,455 @@
         <p:cNvGrpSpPr/>
         <p:nvPr/>
       </p:nvGrpSpPr>
-      <p:grpSpPr/>
+      <p:grpSpPr>
+        <a:xfrm>
+          <a:off x="0" y="0"/>
+          <a:ext cx="0" cy="0"/>
+          <a:chOff x="0" y="0"/>
+          <a:chExt cx="0" cy="0"/>
+        </a:xfrm>
+      </p:grpSpPr>
+      <p:sp>
+        <p:nvSpPr>
+          <p:cNvPr id="2" name="TextBox 1">
+            <a:extLst>
+              <a:ext uri="{FF2B5EF4-FFF2-40B4-BE49-F238E27FC236}">
+                <a16:creationId xmlns:a16="http://schemas.microsoft.com/office/drawing/2014/main" id="{26AF41EF-17B9-1841-2E2F-348AC4B1BFD7}"/>
+              </a:ext>
+            </a:extLst>
+          </p:cNvPr>
+          <p:cNvSpPr txBox="1"/>
+          <p:nvPr/>
+        </p:nvSpPr>
+        <p:spPr>
+          <a:xfrm>
+            <a:off x="457200" y="365760"/>
+            <a:ext cx="3740704" cy="523220"/>
+          </a:xfrm>
+          <a:prstGeom prst="rect">
+            <a:avLst/>
+          </a:prstGeom>
+          <a:noFill/>
+        </p:spPr>
+        <p:txBody>
+          <a:bodyPr wrap="none">
+            <a:spAutoFit/>
+          </a:bodyPr>
+          <a:lstStyle/>
+          <a:p>
+            <a:r>
+              <a:rPr lang="en-IN" sz="2800" b="1" dirty="0"/>
+              <a:t>Implementation Results</a:t>
+            </a:r>
+          </a:p>
+        </p:txBody>
+      </p:sp>
+      <p:sp>
+        <p:nvSpPr>
+          <p:cNvPr id="3" name="TextBox 2">
+            <a:extLst>
+              <a:ext uri="{FF2B5EF4-FFF2-40B4-BE49-F238E27FC236}">
+                <a16:creationId xmlns:a16="http://schemas.microsoft.com/office/drawing/2014/main" id="{07969928-55A6-F99D-E6EF-F361A1816D1D}"/>
+              </a:ext>
+            </a:extLst>
+          </p:cNvPr>
+          <p:cNvSpPr txBox="1"/>
+          <p:nvPr/>
+        </p:nvSpPr>
+        <p:spPr>
+          <a:xfrm>
+            <a:off x="457200" y="1033272"/>
+            <a:ext cx="8229600" cy="1754326"/>
+          </a:xfrm>
+          <a:prstGeom prst="rect">
+            <a:avLst/>
+          </a:prstGeom>
+          <a:noFill/>
+        </p:spPr>
+        <p:txBody>
+          <a:bodyPr wrap="square">
+            <a:spAutoFit/>
+          </a:bodyPr>
+          <a:lstStyle/>
+          <a:p>
+            <a:r>
+              <a:rPr lang="en-US" b="1" dirty="0"/>
+              <a:t>Real-World Performance</a:t>
+            </a:r>
+            <a:endParaRPr lang="en-US" dirty="0"/>
+          </a:p>
+          <a:p>
+            <a:pPr marL="285750" indent="-285750">
+              <a:buFont typeface="Wingdings" panose="05000000000000000000" pitchFamily="2" charset="2"/>
+              <a:buChar char="ü"/>
+            </a:pPr>
+            <a:r>
+              <a:rPr lang="en-US" b="1" dirty="0"/>
+              <a:t>Successfully Tested</a:t>
+            </a:r>
+            <a:r>
+              <a:rPr lang="en-US" dirty="0"/>
+              <a:t>: 20 JSON files </a:t>
+            </a:r>
+          </a:p>
+          <a:p>
+            <a:pPr marL="285750" indent="-285750">
+              <a:buFont typeface="Wingdings" panose="05000000000000000000" pitchFamily="2" charset="2"/>
+              <a:buChar char="ü"/>
+            </a:pPr>
+            <a:r>
+              <a:rPr lang="en-US" dirty="0"/>
+              <a:t> </a:t>
+            </a:r>
+            <a:r>
+              <a:rPr lang="en-US" b="1" dirty="0"/>
+              <a:t>Processing Time</a:t>
+            </a:r>
+            <a:r>
+              <a:rPr lang="en-US" dirty="0"/>
+              <a:t>: 181.12 </a:t>
+            </a:r>
+            <a:r>
+              <a:rPr lang="en-US" dirty="0" err="1"/>
+              <a:t>ms</a:t>
+            </a:r>
+            <a:r>
+              <a:rPr lang="en-US" dirty="0"/>
+              <a:t> </a:t>
+            </a:r>
+          </a:p>
+          <a:p>
+            <a:pPr marL="285750" indent="-285750">
+              <a:buFont typeface="Wingdings" panose="05000000000000000000" pitchFamily="2" charset="2"/>
+              <a:buChar char="ü"/>
+            </a:pPr>
+            <a:r>
+              <a:rPr lang="en-US" dirty="0"/>
+              <a:t> </a:t>
+            </a:r>
+            <a:r>
+              <a:rPr lang="en-US" b="1" dirty="0"/>
+              <a:t>Accuracy</a:t>
+            </a:r>
+            <a:r>
+              <a:rPr lang="en-US" dirty="0"/>
+              <a:t>: 100% </a:t>
+            </a:r>
+          </a:p>
+          <a:p>
+            <a:pPr marL="285750" indent="-285750">
+              <a:buFont typeface="Wingdings" panose="05000000000000000000" pitchFamily="2" charset="2"/>
+              <a:buChar char="ü"/>
+            </a:pPr>
+            <a:r>
+              <a:rPr lang="en-US" dirty="0"/>
+              <a:t> </a:t>
+            </a:r>
+            <a:r>
+              <a:rPr lang="en-US" b="1" dirty="0"/>
+              <a:t>User Satisfaction</a:t>
+            </a:r>
+            <a:r>
+              <a:rPr lang="en-US" dirty="0"/>
+              <a:t>: High </a:t>
+            </a:r>
+          </a:p>
+          <a:p>
+            <a:pPr marL="285750" indent="-285750">
+              <a:buFont typeface="Wingdings" panose="05000000000000000000" pitchFamily="2" charset="2"/>
+              <a:buChar char="ü"/>
+            </a:pPr>
+            <a:r>
+              <a:rPr lang="en-US" dirty="0"/>
+              <a:t> </a:t>
+            </a:r>
+            <a:r>
+              <a:rPr lang="en-US" b="1" dirty="0"/>
+              <a:t>System Stability</a:t>
+            </a:r>
+            <a:r>
+              <a:rPr lang="en-US" dirty="0"/>
+              <a:t>: Excellent</a:t>
+            </a:r>
+          </a:p>
+        </p:txBody>
+      </p:sp>
+      <p:sp>
+        <p:nvSpPr>
+          <p:cNvPr id="4" name="TextBox 3">
+            <a:extLst>
+              <a:ext uri="{FF2B5EF4-FFF2-40B4-BE49-F238E27FC236}">
+                <a16:creationId xmlns:a16="http://schemas.microsoft.com/office/drawing/2014/main" id="{7074F2A0-A284-C396-DC3B-DFF70DE784CB}"/>
+              </a:ext>
+            </a:extLst>
+          </p:cNvPr>
+          <p:cNvSpPr txBox="1"/>
+          <p:nvPr/>
+        </p:nvSpPr>
+        <p:spPr>
+          <a:xfrm>
+            <a:off x="457200" y="3209544"/>
+            <a:ext cx="2677336" cy="954107"/>
+          </a:xfrm>
+          <a:prstGeom prst="rect">
+            <a:avLst/>
+          </a:prstGeom>
+          <a:noFill/>
+        </p:spPr>
+        <p:txBody>
+          <a:bodyPr wrap="none" rtlCol="0">
+            <a:spAutoFit/>
+          </a:bodyPr>
+          <a:lstStyle/>
+          <a:p>
+            <a:r>
+              <a:rPr lang="en-IN" sz="2800" b="1" dirty="0"/>
+              <a:t>Future Roadmap</a:t>
+            </a:r>
+          </a:p>
+          <a:p>
+            <a:endParaRPr lang="en-IN" sz="2800" dirty="0"/>
+          </a:p>
+        </p:txBody>
+      </p:sp>
+      <p:sp>
+        <p:nvSpPr>
+          <p:cNvPr id="5" name="TextBox 4">
+            <a:extLst>
+              <a:ext uri="{FF2B5EF4-FFF2-40B4-BE49-F238E27FC236}">
+                <a16:creationId xmlns:a16="http://schemas.microsoft.com/office/drawing/2014/main" id="{7894DF93-6E17-D5E0-54D2-EFBCFE94FA30}"/>
+              </a:ext>
+            </a:extLst>
+          </p:cNvPr>
+          <p:cNvSpPr txBox="1"/>
+          <p:nvPr/>
+        </p:nvSpPr>
+        <p:spPr>
+          <a:xfrm>
+            <a:off x="457200" y="3941064"/>
+            <a:ext cx="3693640" cy="2031325"/>
+          </a:xfrm>
+          <a:prstGeom prst="rect">
+            <a:avLst/>
+          </a:prstGeom>
+          <a:noFill/>
+        </p:spPr>
+        <p:txBody>
+          <a:bodyPr wrap="none" rtlCol="0">
+            <a:spAutoFit/>
+          </a:bodyPr>
+          <a:lstStyle/>
+          <a:p>
+            <a:r>
+              <a:rPr lang="en-US" b="1" dirty="0"/>
+              <a:t>Next Steps</a:t>
+            </a:r>
+            <a:endParaRPr lang="en-US" dirty="0"/>
+          </a:p>
+          <a:p>
+            <a:pPr marL="285750" indent="-285750">
+              <a:buFont typeface="Wingdings" panose="05000000000000000000" pitchFamily="2" charset="2"/>
+              <a:buChar char="ü"/>
+            </a:pPr>
+            <a:r>
+              <a:rPr lang="en-US" dirty="0"/>
+              <a:t> Scale to 500+ files/day</a:t>
+            </a:r>
+          </a:p>
+          <a:p>
+            <a:pPr marL="285750" indent="-285750">
+              <a:buFont typeface="Wingdings" panose="05000000000000000000" pitchFamily="2" charset="2"/>
+              <a:buChar char="ü"/>
+            </a:pPr>
+            <a:r>
+              <a:rPr lang="en-US" dirty="0"/>
+              <a:t> Multi-department deployment</a:t>
+            </a:r>
+          </a:p>
+          <a:p>
+            <a:pPr marL="285750" indent="-285750">
+              <a:buFont typeface="Wingdings" panose="05000000000000000000" pitchFamily="2" charset="2"/>
+              <a:buChar char="ü"/>
+            </a:pPr>
+            <a:r>
+              <a:rPr lang="en-US" dirty="0"/>
+              <a:t> Integration with existing systems</a:t>
+            </a:r>
+          </a:p>
+          <a:p>
+            <a:pPr marL="285750" indent="-285750">
+              <a:buFont typeface="Wingdings" panose="05000000000000000000" pitchFamily="2" charset="2"/>
+              <a:buChar char="ü"/>
+            </a:pPr>
+            <a:r>
+              <a:rPr lang="en-US" dirty="0"/>
+              <a:t> Advanced analytics dashboard</a:t>
+            </a:r>
+          </a:p>
+          <a:p>
+            <a:pPr marL="285750" indent="-285750">
+              <a:buFont typeface="Wingdings" panose="05000000000000000000" pitchFamily="2" charset="2"/>
+              <a:buChar char="ü"/>
+            </a:pPr>
+            <a:r>
+              <a:rPr lang="en-US" dirty="0"/>
+              <a:t> Enhanced security features</a:t>
+            </a:r>
+          </a:p>
+          <a:p>
+            <a:endParaRPr lang="en-IN" dirty="0"/>
+          </a:p>
+        </p:txBody>
+      </p:sp>
+    </p:spTree>
+    <p:extLst>
+      <p:ext uri="{BB962C8B-B14F-4D97-AF65-F5344CB8AC3E}">
+        <p14:creationId xmlns:p14="http://schemas.microsoft.com/office/powerpoint/2010/main" val="2913339370"/>
+      </p:ext>
+    </p:extLst>
+  </p:cSld>
+  <p:clrMapOvr>
+    <a:masterClrMapping/>
+  </p:clrMapOvr>
+</p:sld>
+</file>
+
+<file path=ppt/slides/slide11.xml><?xml version="1.0" encoding="utf-8"?>
+<p:sld xmlns:a="http://schemas.openxmlformats.org/drawingml/2006/main" xmlns:r="http://schemas.openxmlformats.org/officeDocument/2006/relationships" xmlns:p="http://schemas.openxmlformats.org/presentationml/2006/main">
+  <p:cSld>
+    <p:spTree>
+      <p:nvGrpSpPr>
+        <p:cNvPr id="1" name=""/>
+        <p:cNvGrpSpPr/>
+        <p:nvPr/>
+      </p:nvGrpSpPr>
+      <p:grpSpPr>
+        <a:xfrm>
+          <a:off x="0" y="0"/>
+          <a:ext cx="0" cy="0"/>
+          <a:chOff x="0" y="0"/>
+          <a:chExt cx="0" cy="0"/>
+        </a:xfrm>
+      </p:grpSpPr>
+      <p:sp>
+        <p:nvSpPr>
+          <p:cNvPr id="4" name="TextBox 3">
+            <a:extLst>
+              <a:ext uri="{FF2B5EF4-FFF2-40B4-BE49-F238E27FC236}">
+                <a16:creationId xmlns:a16="http://schemas.microsoft.com/office/drawing/2014/main" id="{FA0FA9E2-AD71-16CB-2A4B-D80F73A302EC}"/>
+              </a:ext>
+            </a:extLst>
+          </p:cNvPr>
+          <p:cNvSpPr txBox="1"/>
+          <p:nvPr/>
+        </p:nvSpPr>
+        <p:spPr>
+          <a:xfrm>
+            <a:off x="457200" y="365760"/>
+            <a:ext cx="1806905" cy="954107"/>
+          </a:xfrm>
+          <a:prstGeom prst="rect">
+            <a:avLst/>
+          </a:prstGeom>
+          <a:noFill/>
+        </p:spPr>
+        <p:txBody>
+          <a:bodyPr wrap="none">
+            <a:spAutoFit/>
+          </a:bodyPr>
+          <a:lstStyle/>
+          <a:p>
+            <a:pPr>
+              <a:defRPr sz="2800" b="1">
+                <a:latin typeface="Calibri"/>
+              </a:defRPr>
+            </a:pPr>
+            <a:r>
+              <a:rPr lang="en-IN" sz="2800" b="1" dirty="0"/>
+              <a:t>Conclusion</a:t>
+            </a:r>
+          </a:p>
+          <a:p>
+            <a:pPr>
+              <a:defRPr sz="2800" b="1">
+                <a:latin typeface="Calibri"/>
+              </a:defRPr>
+            </a:pPr>
+            <a:endParaRPr dirty="0"/>
+          </a:p>
+        </p:txBody>
+      </p:sp>
+      <p:sp>
+        <p:nvSpPr>
+          <p:cNvPr id="5" name="TextBox 4">
+            <a:extLst>
+              <a:ext uri="{FF2B5EF4-FFF2-40B4-BE49-F238E27FC236}">
+                <a16:creationId xmlns:a16="http://schemas.microsoft.com/office/drawing/2014/main" id="{7BCA5DB7-9D5F-EA0E-B8F5-A3DDA6830240}"/>
+              </a:ext>
+            </a:extLst>
+          </p:cNvPr>
+          <p:cNvSpPr txBox="1"/>
+          <p:nvPr/>
+        </p:nvSpPr>
+        <p:spPr>
+          <a:xfrm>
+            <a:off x="457200" y="1527048"/>
+            <a:ext cx="8229600" cy="338554"/>
+          </a:xfrm>
+          <a:prstGeom prst="rect">
+            <a:avLst/>
+          </a:prstGeom>
+          <a:noFill/>
+        </p:spPr>
+        <p:txBody>
+          <a:bodyPr wrap="square">
+            <a:spAutoFit/>
+          </a:bodyPr>
+          <a:lstStyle/>
+          <a:p>
+            <a:pPr>
+              <a:defRPr sz="1400">
+                <a:latin typeface="Calibri"/>
+              </a:defRPr>
+            </a:pPr>
+            <a:r>
+              <a:rPr lang="en-US" sz="1600" i="1" dirty="0"/>
+              <a:t>“From hours to milliseconds - Revolutionizing healthcare test case automation"</a:t>
+            </a:r>
+            <a:endParaRPr sz="1600" dirty="0"/>
+          </a:p>
+        </p:txBody>
+      </p:sp>
+    </p:spTree>
+    <p:extLst>
+      <p:ext uri="{BB962C8B-B14F-4D97-AF65-F5344CB8AC3E}">
+        <p14:creationId xmlns:p14="http://schemas.microsoft.com/office/powerpoint/2010/main" val="1817367982"/>
+      </p:ext>
+    </p:extLst>
+  </p:cSld>
+  <p:clrMapOvr>
+    <a:masterClrMapping/>
+  </p:clrMapOvr>
+</p:sld>
+</file>
+
+<file path=ppt/slides/slide2.xml><?xml version="1.0" encoding="utf-8"?>
+<p:sld xmlns:a="http://schemas.openxmlformats.org/drawingml/2006/main" xmlns:r="http://schemas.openxmlformats.org/officeDocument/2006/relationships" xmlns:p="http://schemas.openxmlformats.org/presentationml/2006/main">
+  <p:cSld>
+    <p:spTree>
+      <p:nvGrpSpPr>
+        <p:cNvPr id="1" name=""/>
+        <p:cNvGrpSpPr/>
+        <p:nvPr/>
+      </p:nvGrpSpPr>
+      <p:grpSpPr>
+        <a:xfrm>
+          <a:off x="0" y="0"/>
+          <a:ext cx="0" cy="0"/>
+          <a:chOff x="0" y="0"/>
+          <a:chExt cx="0" cy="0"/>
+        </a:xfrm>
+      </p:grpSpPr>
       <p:sp>
         <p:nvSpPr>
           <p:cNvPr id="2" name="TextBox 1"/>
@@ -3218,7 +3674,7 @@
         <p:spPr>
           <a:xfrm>
             <a:off x="457200" y="1188720"/>
-            <a:ext cx="8229600" cy="5029200"/>
+            <a:ext cx="8229600" cy="2031325"/>
           </a:xfrm>
           <a:prstGeom prst="rect">
             <a:avLst/>
@@ -3231,52 +3687,122 @@
           </a:bodyPr>
           <a:lstStyle/>
           <a:p>
+            <a:pPr marL="285750" indent="-285750">
+              <a:buFont typeface="Arial" panose="020B0604020202020204" pitchFamily="34" charset="0"/>
+              <a:buChar char="•"/>
+              <a:defRPr sz="1400">
+                <a:latin typeface="Calibri"/>
+              </a:defRPr>
+            </a:pPr>
+            <a:r>
+              <a:rPr dirty="0"/>
+              <a:t>Automates renaming of test-case JSON files to a standard naming convention.</a:t>
+            </a:r>
+            <a:endParaRPr lang="en-IN" dirty="0"/>
+          </a:p>
+          <a:p>
             <a:pPr>
               <a:defRPr sz="1400">
                 <a:latin typeface="Calibri"/>
               </a:defRPr>
             </a:pPr>
-            <a:r>
-              <a:t>Automates renaming of test-case JSON files to a standard naming convention.</a:t>
-            </a:r>
-          </a:p>
-          <a:p>
-            <a:pPr>
+            <a:endParaRPr dirty="0"/>
+          </a:p>
+          <a:p>
+            <a:pPr marL="285750" indent="-285750">
+              <a:buFont typeface="Arial" panose="020B0604020202020204" pitchFamily="34" charset="0"/>
+              <a:buChar char="•"/>
               <a:defRPr sz="1400">
                 <a:latin typeface="Calibri"/>
               </a:defRPr>
             </a:pPr>
             <a:r>
+              <a:rPr dirty="0"/>
               <a:t>Generates Postman collections for API regression and smoke testing.</a:t>
             </a:r>
           </a:p>
           <a:p>
-            <a:pPr>
+            <a:pPr marL="285750" indent="-285750">
+              <a:buFont typeface="Arial" panose="020B0604020202020204" pitchFamily="34" charset="0"/>
+              <a:buChar char="•"/>
               <a:defRPr sz="1400">
                 <a:latin typeface="Calibri"/>
               </a:defRPr>
             </a:pPr>
-            <a:r>
-              <a:t>Supports WGS_CSBD, WGS_NYK, GBDF MCR, and GBDF GRS model types.</a:t>
-            </a:r>
-          </a:p>
-          <a:p>
-            <a:pPr>
+            <a:endParaRPr lang="en-IN" dirty="0"/>
+          </a:p>
+          <a:p>
+            <a:pPr marL="285750" indent="-285750">
+              <a:buFont typeface="Arial" panose="020B0604020202020204" pitchFamily="34" charset="0"/>
+              <a:buChar char="•"/>
               <a:defRPr sz="1400">
                 <a:latin typeface="Calibri"/>
               </a:defRPr>
             </a:pPr>
             <a:r>
-              <a:t>Optional RefDB value replacement (HCID, NPI, DOB, etc.) from refdb_values.json.</a:t>
-            </a:r>
-          </a:p>
-          <a:p>
-            <a:pPr>
+              <a:rPr dirty="0"/>
+              <a:t>Supports WGS_CSBD, WGS_NYK, GBDF MCR, and GBDF GRS model types.</a:t>
+            </a:r>
+          </a:p>
+          <a:p>
+            <a:pPr marL="285750" indent="-285750">
+              <a:buFont typeface="Arial" panose="020B0604020202020204" pitchFamily="34" charset="0"/>
+              <a:buChar char="•"/>
               <a:defRPr sz="1400">
                 <a:latin typeface="Calibri"/>
               </a:defRPr>
             </a:pPr>
-            <a:r>
+            <a:endParaRPr lang="en-IN" dirty="0"/>
+          </a:p>
+          <a:p>
+            <a:pPr marL="285750" indent="-285750">
+              <a:buFont typeface="Arial" panose="020B0604020202020204" pitchFamily="34" charset="0"/>
+              <a:buChar char="•"/>
+              <a:defRPr sz="1400">
+                <a:latin typeface="Calibri"/>
+              </a:defRPr>
+            </a:pPr>
+            <a:r>
+              <a:rPr dirty="0"/>
+              <a:t>Optional </a:t>
+            </a:r>
+            <a:r>
+              <a:rPr dirty="0" err="1"/>
+              <a:t>RefDB</a:t>
+            </a:r>
+            <a:r>
+              <a:rPr dirty="0"/>
+              <a:t> value replacement (HCID, NPI, DOB, etc.) from </a:t>
+            </a:r>
+            <a:r>
+              <a:rPr dirty="0" err="1"/>
+              <a:t>refdb_values.json</a:t>
+            </a:r>
+            <a:r>
+              <a:rPr dirty="0"/>
+              <a:t>.</a:t>
+            </a:r>
+          </a:p>
+          <a:p>
+            <a:pPr marL="285750" indent="-285750">
+              <a:buFont typeface="Arial" panose="020B0604020202020204" pitchFamily="34" charset="0"/>
+              <a:buChar char="•"/>
+              <a:defRPr sz="1400">
+                <a:latin typeface="Calibri"/>
+              </a:defRPr>
+            </a:pPr>
+            <a:endParaRPr lang="en-IN" dirty="0"/>
+          </a:p>
+          <a:p>
+            <a:pPr marL="285750" indent="-285750">
+              <a:buFont typeface="Arial" panose="020B0604020202020204" pitchFamily="34" charset="0"/>
+              <a:buChar char="•"/>
+              <a:defRPr sz="1400">
+                <a:latin typeface="Calibri"/>
+              </a:defRPr>
+            </a:pPr>
+            <a:r>
+              <a:rPr dirty="0"/>
               <a:t>Produces Excel timing and processing reports for traceability.</a:t>
             </a:r>
           </a:p>
@@ -3291,7 +3817,7 @@
 </file>
 
 <file path=ppt/slides/slide3.xml><?xml version="1.0" encoding="utf-8"?>
-<p:sld xmlns:a="http://schemas.openxmlformats.org/drawingml/2006/main" xmlns:p="http://schemas.openxmlformats.org/presentationml/2006/main" xmlns:r="http://schemas.openxmlformats.org/officeDocument/2006/relationships">
+<p:sld xmlns:a="http://schemas.openxmlformats.org/drawingml/2006/main" xmlns:r="http://schemas.openxmlformats.org/officeDocument/2006/relationships" xmlns:p="http://schemas.openxmlformats.org/presentationml/2006/main">
   <p:cSld>
     <p:spTree>
       <p:nvGrpSpPr>
@@ -3299,7 +3825,14 @@
         <p:cNvGrpSpPr/>
         <p:nvPr/>
       </p:nvGrpSpPr>
-      <p:grpSpPr/>
+      <p:grpSpPr>
+        <a:xfrm>
+          <a:off x="0" y="0"/>
+          <a:ext cx="0" cy="0"/>
+          <a:chOff x="0" y="0"/>
+          <a:chExt cx="0" cy="0"/>
+        </a:xfrm>
+      </p:grpSpPr>
       <p:sp>
         <p:nvSpPr>
           <p:cNvPr id="2" name="TextBox 1"/>
@@ -3342,7 +3875,7 @@
         <p:spPr>
           <a:xfrm>
             <a:off x="457200" y="1188720"/>
-            <a:ext cx="8229600" cy="5029200"/>
+            <a:ext cx="8229600" cy="2246769"/>
           </a:xfrm>
           <a:prstGeom prst="rect">
             <a:avLst/>
@@ -3355,14 +3888,42 @@
           </a:bodyPr>
           <a:lstStyle/>
           <a:p>
+            <a:pPr marL="285750" indent="-285750">
+              <a:buFont typeface="Arial" panose="020B0604020202020204" pitchFamily="34" charset="0"/>
+              <a:buChar char="•"/>
+              <a:defRPr sz="1400">
+                <a:latin typeface="Calibri"/>
+              </a:defRPr>
+            </a:pPr>
+            <a:r>
+              <a:rPr dirty="0"/>
+              <a:t>File renaming: </a:t>
+            </a:r>
+            <a:endParaRPr lang="en-IN" dirty="0"/>
+          </a:p>
+          <a:p>
             <a:pPr>
               <a:defRPr sz="1400">
                 <a:latin typeface="Calibri"/>
               </a:defRPr>
             </a:pPr>
             <a:r>
-              <a:t>File renaming: Suffix mapping (sur→dis), header/footer updates, CLCL_ID/KEY_CHK_DCN_NBR where applicable.</a:t>
-            </a:r>
+              <a:rPr lang="en-IN" dirty="0"/>
+              <a:t>        </a:t>
+            </a:r>
+            <a:r>
+              <a:rPr dirty="0"/>
+              <a:t>Suffix mapping (</a:t>
+            </a:r>
+            <a:r>
+              <a:rPr dirty="0" err="1"/>
+              <a:t>sur→dis</a:t>
+            </a:r>
+            <a:r>
+              <a:rPr dirty="0"/>
+              <a:t>), </a:t>
+            </a:r>
+            <a:endParaRPr lang="en-IN" dirty="0"/>
           </a:p>
           <a:p>
             <a:pPr>
@@ -3371,8 +3932,14 @@
               </a:defRPr>
             </a:pPr>
             <a:r>
-              <a:t>Postman generation: Collections per model and test type (regression/smoke), configurable via .env.</a:t>
-            </a:r>
+              <a:rPr lang="en-IN" dirty="0"/>
+              <a:t>         </a:t>
+            </a:r>
+            <a:r>
+              <a:rPr dirty="0"/>
+              <a:t>header/footer updates, </a:t>
+            </a:r>
+            <a:endParaRPr lang="en-IN" dirty="0"/>
           </a:p>
           <a:p>
             <a:pPr>
@@ -3381,8 +3948,14 @@
               </a:defRPr>
             </a:pPr>
             <a:r>
-              <a:t>RefDB replacement: For selected CSBDTS, NYKTS, and GBDF models when --refdb is used.</a:t>
-            </a:r>
+              <a:rPr lang="en-IN" dirty="0"/>
+              <a:t>         </a:t>
+            </a:r>
+            <a:r>
+              <a:rPr dirty="0"/>
+              <a:t>CLCL_ID/KEY_CHK_DCN_NBR where applicable.</a:t>
+            </a:r>
+            <a:endParaRPr lang="en-IN" dirty="0"/>
           </a:p>
           <a:p>
             <a:pPr>
@@ -3390,7 +3963,76 @@
                 <a:latin typeface="Calibri"/>
               </a:defRPr>
             </a:pPr>
-            <a:r>
+            <a:endParaRPr dirty="0"/>
+          </a:p>
+          <a:p>
+            <a:pPr marL="285750" indent="-285750">
+              <a:buFont typeface="Arial" panose="020B0604020202020204" pitchFamily="34" charset="0"/>
+              <a:buChar char="•"/>
+              <a:defRPr sz="1400">
+                <a:latin typeface="Calibri"/>
+              </a:defRPr>
+            </a:pPr>
+            <a:r>
+              <a:rPr dirty="0"/>
+              <a:t>Postman generation: Collections per model and test type (regression/smoke), configurable via .env.</a:t>
+            </a:r>
+          </a:p>
+          <a:p>
+            <a:pPr marL="285750" indent="-285750">
+              <a:buFont typeface="Arial" panose="020B0604020202020204" pitchFamily="34" charset="0"/>
+              <a:buChar char="•"/>
+              <a:defRPr sz="1400">
+                <a:latin typeface="Calibri"/>
+              </a:defRPr>
+            </a:pPr>
+            <a:endParaRPr lang="en-IN" dirty="0"/>
+          </a:p>
+          <a:p>
+            <a:pPr marL="285750" indent="-285750">
+              <a:buFont typeface="Arial" panose="020B0604020202020204" pitchFamily="34" charset="0"/>
+              <a:buChar char="•"/>
+              <a:defRPr sz="1400">
+                <a:latin typeface="Calibri"/>
+              </a:defRPr>
+            </a:pPr>
+            <a:r>
+              <a:rPr dirty="0" err="1"/>
+              <a:t>RefDB</a:t>
+            </a:r>
+            <a:r>
+              <a:rPr dirty="0"/>
+              <a:t> replacement: For selected CSBDTS, NYKTS, and GBDF models when --</a:t>
+            </a:r>
+            <a:r>
+              <a:rPr dirty="0" err="1"/>
+              <a:t>refdb</a:t>
+            </a:r>
+            <a:r>
+              <a:rPr dirty="0"/>
+              <a:t> is used.</a:t>
+            </a:r>
+          </a:p>
+          <a:p>
+            <a:pPr marL="285750" indent="-285750">
+              <a:buFont typeface="Arial" panose="020B0604020202020204" pitchFamily="34" charset="0"/>
+              <a:buChar char="•"/>
+              <a:defRPr sz="1400">
+                <a:latin typeface="Calibri"/>
+              </a:defRPr>
+            </a:pPr>
+            <a:endParaRPr lang="en-IN" dirty="0"/>
+          </a:p>
+          <a:p>
+            <a:pPr marL="285750" indent="-285750">
+              <a:buFont typeface="Arial" panose="020B0604020202020204" pitchFamily="34" charset="0"/>
+              <a:buChar char="•"/>
+              <a:defRPr sz="1400">
+                <a:latin typeface="Calibri"/>
+              </a:defRPr>
+            </a:pPr>
+            <a:r>
+              <a:rPr dirty="0"/>
               <a:t>Reporting: Timing and status in Excel; can be turned on/off (ENABLE_REPORT_GENERATION).</a:t>
             </a:r>
           </a:p>
@@ -3405,7 +4047,7 @@
 </file>
 
 <file path=ppt/slides/slide4.xml><?xml version="1.0" encoding="utf-8"?>
-<p:sld xmlns:a="http://schemas.openxmlformats.org/drawingml/2006/main" xmlns:p="http://schemas.openxmlformats.org/presentationml/2006/main" xmlns:r="http://schemas.openxmlformats.org/officeDocument/2006/relationships">
+<p:sld xmlns:a="http://schemas.openxmlformats.org/drawingml/2006/main" xmlns:r="http://schemas.openxmlformats.org/officeDocument/2006/relationships" xmlns:p="http://schemas.openxmlformats.org/presentationml/2006/main">
   <p:cSld>
     <p:spTree>
       <p:nvGrpSpPr>
@@ -3413,7 +4055,14 @@
         <p:cNvGrpSpPr/>
         <p:nvPr/>
       </p:nvGrpSpPr>
-      <p:grpSpPr/>
+      <p:grpSpPr>
+        <a:xfrm>
+          <a:off x="0" y="0"/>
+          <a:ext cx="0" cy="0"/>
+          <a:chOff x="0" y="0"/>
+          <a:chExt cx="0" cy="0"/>
+        </a:xfrm>
+      </p:grpSpPr>
       <p:sp>
         <p:nvSpPr>
           <p:cNvPr id="2" name="TextBox 1"/>
@@ -3456,7 +4105,7 @@
         <p:spPr>
           <a:xfrm>
             <a:off x="457200" y="1188720"/>
-            <a:ext cx="8229600" cy="5029200"/>
+            <a:ext cx="8229600" cy="2031325"/>
           </a:xfrm>
           <a:prstGeom prst="rect">
             <a:avLst/>
@@ -3469,14 +4118,128 @@
           </a:bodyPr>
           <a:lstStyle/>
           <a:p>
+            <a:pPr marL="285750" indent="-285750">
+              <a:buFont typeface="Arial" panose="020B0604020202020204" pitchFamily="34" charset="0"/>
+              <a:buChar char="•"/>
+              <a:defRPr sz="1400">
+                <a:latin typeface="Calibri"/>
+              </a:defRPr>
+            </a:pPr>
+            <a:r>
+              <a:rPr dirty="0"/>
+              <a:t>Single CLI: main_processor.py with --</a:t>
+            </a:r>
+            <a:r>
+              <a:rPr dirty="0" err="1"/>
+              <a:t>wgs_csbd</a:t>
+            </a:r>
+            <a:r>
+              <a:rPr dirty="0"/>
+              <a:t>, --</a:t>
+            </a:r>
+            <a:r>
+              <a:rPr dirty="0" err="1"/>
+              <a:t>wgs_nyk</a:t>
+            </a:r>
+            <a:r>
+              <a:rPr dirty="0"/>
+              <a:t>, --</a:t>
+            </a:r>
+            <a:r>
+              <a:rPr dirty="0" err="1"/>
+              <a:t>gbdf_mcr</a:t>
+            </a:r>
+            <a:r>
+              <a:rPr dirty="0"/>
+              <a:t>, --</a:t>
+            </a:r>
+            <a:r>
+              <a:rPr dirty="0" err="1"/>
+              <a:t>gbdf_grs</a:t>
+            </a:r>
+            <a:r>
+              <a:rPr dirty="0"/>
+              <a:t>.</a:t>
+            </a:r>
+            <a:endParaRPr lang="en-IN" dirty="0"/>
+          </a:p>
+          <a:p>
             <a:pPr>
               <a:defRPr sz="1400">
                 <a:latin typeface="Calibri"/>
               </a:defRPr>
             </a:pPr>
-            <a:r>
-              <a:t>Single CLI: main_processor.py with --wgs_csbd, --wgs_nyk, --gbdf_mcr, --gbdf_grs.</a:t>
-            </a:r>
+            <a:endParaRPr dirty="0"/>
+          </a:p>
+          <a:p>
+            <a:pPr marL="285750" indent="-285750">
+              <a:buFont typeface="Arial" panose="020B0604020202020204" pitchFamily="34" charset="0"/>
+              <a:buChar char="•"/>
+              <a:defRPr sz="1400">
+                <a:latin typeface="Calibri"/>
+              </a:defRPr>
+            </a:pPr>
+            <a:r>
+              <a:rPr dirty="0"/>
+              <a:t>Model selection: --CSBDTSXX, --NYKTSXX, --GBDTSXX; --all for batch; --list to list models.</a:t>
+            </a:r>
+            <a:endParaRPr lang="en-IN" dirty="0"/>
+          </a:p>
+          <a:p>
+            <a:pPr marL="285750" indent="-285750">
+              <a:buFont typeface="Arial" panose="020B0604020202020204" pitchFamily="34" charset="0"/>
+              <a:buChar char="•"/>
+              <a:defRPr sz="1400">
+                <a:latin typeface="Calibri"/>
+              </a:defRPr>
+            </a:pPr>
+            <a:endParaRPr dirty="0"/>
+          </a:p>
+          <a:p>
+            <a:pPr marL="285750" indent="-285750">
+              <a:buFont typeface="Arial" panose="020B0604020202020204" pitchFamily="34" charset="0"/>
+              <a:buChar char="•"/>
+              <a:defRPr sz="1400">
+                <a:latin typeface="Calibri"/>
+              </a:defRPr>
+            </a:pPr>
+            <a:r>
+              <a:rPr dirty="0"/>
+              <a:t>Configuration: .env for reports and Postman; </a:t>
+            </a:r>
+            <a:r>
+              <a:rPr dirty="0" err="1"/>
+              <a:t>refdb_values.json</a:t>
+            </a:r>
+            <a:r>
+              <a:rPr dirty="0"/>
+              <a:t> for replacement values.</a:t>
+            </a:r>
+            <a:endParaRPr lang="en-IN" dirty="0"/>
+          </a:p>
+          <a:p>
+            <a:pPr marL="285750" indent="-285750">
+              <a:buFont typeface="Arial" panose="020B0604020202020204" pitchFamily="34" charset="0"/>
+              <a:buChar char="•"/>
+              <a:defRPr sz="1400">
+                <a:latin typeface="Calibri"/>
+              </a:defRPr>
+            </a:pPr>
+            <a:endParaRPr dirty="0"/>
+          </a:p>
+          <a:p>
+            <a:pPr marL="285750" indent="-285750">
+              <a:buFont typeface="Arial" panose="020B0604020202020204" pitchFamily="34" charset="0"/>
+              <a:buChar char="•"/>
+              <a:defRPr sz="1400">
+                <a:latin typeface="Calibri"/>
+              </a:defRPr>
+            </a:pPr>
+            <a:r>
+              <a:rPr dirty="0"/>
+              <a:t>Dynamic discovery: Detects source folders and model parameters from directory structure.</a:t>
+            </a:r>
+            <a:endParaRPr lang="en-IN" dirty="0"/>
           </a:p>
           <a:p>
             <a:pPr>
@@ -3484,38 +4247,35 @@
                 <a:latin typeface="Calibri"/>
               </a:defRPr>
             </a:pPr>
-            <a:r>
-              <a:t>Model selection: --CSBDTSXX, --NYKTSXX, --GBDTSXX; --all for batch; --list to list models.</a:t>
-            </a:r>
-          </a:p>
-          <a:p>
-            <a:pPr>
+            <a:endParaRPr dirty="0"/>
+          </a:p>
+          <a:p>
+            <a:pPr marL="285750" indent="-285750">
+              <a:buFont typeface="Arial" panose="020B0604020202020204" pitchFamily="34" charset="0"/>
+              <a:buChar char="•"/>
               <a:defRPr sz="1400">
                 <a:latin typeface="Calibri"/>
               </a:defRPr>
             </a:pPr>
             <a:r>
-              <a:t>Configuration: .env for reports and Postman; refdb_values.json for replacement values.</a:t>
-            </a:r>
-          </a:p>
-          <a:p>
-            <a:pPr>
-              <a:defRPr sz="1400">
-                <a:latin typeface="Calibri"/>
-              </a:defRPr>
-            </a:pPr>
-            <a:r>
-              <a:t>Dynamic discovery: Detects source folders and model parameters from directory structure.</a:t>
-            </a:r>
-          </a:p>
-          <a:p>
-            <a:pPr>
-              <a:defRPr sz="1400">
-                <a:latin typeface="Calibri"/>
-              </a:defRPr>
-            </a:pPr>
-            <a:r>
-              <a:t>Outputs: renaming_jsons/, postman_collections/, reports/ (when enabled).</a:t>
+              <a:rPr dirty="0"/>
+              <a:t>Outputs: </a:t>
+            </a:r>
+            <a:r>
+              <a:rPr dirty="0" err="1"/>
+              <a:t>renaming_jsons</a:t>
+            </a:r>
+            <a:r>
+              <a:rPr dirty="0"/>
+              <a:t>/, </a:t>
+            </a:r>
+            <a:r>
+              <a:rPr dirty="0" err="1"/>
+              <a:t>postman_collections</a:t>
+            </a:r>
+            <a:r>
+              <a:rPr dirty="0"/>
+              <a:t>/, reports/ (when enabled).</a:t>
             </a:r>
           </a:p>
         </p:txBody>
@@ -3529,7 +4289,7 @@
 </file>
 
 <file path=ppt/slides/slide5.xml><?xml version="1.0" encoding="utf-8"?>
-<p:sld xmlns:a="http://schemas.openxmlformats.org/drawingml/2006/main" xmlns:p="http://schemas.openxmlformats.org/presentationml/2006/main" xmlns:r="http://schemas.openxmlformats.org/officeDocument/2006/relationships">
+<p:sld xmlns:a="http://schemas.openxmlformats.org/drawingml/2006/main" xmlns:r="http://schemas.openxmlformats.org/officeDocument/2006/relationships" xmlns:p="http://schemas.openxmlformats.org/presentationml/2006/main">
   <p:cSld>
     <p:spTree>
       <p:nvGrpSpPr>
@@ -3537,7 +4297,14 @@
         <p:cNvGrpSpPr/>
         <p:nvPr/>
       </p:nvGrpSpPr>
-      <p:grpSpPr/>
+      <p:grpSpPr>
+        <a:xfrm>
+          <a:off x="0" y="0"/>
+          <a:ext cx="0" cy="0"/>
+          <a:chOff x="0" y="0"/>
+          <a:chExt cx="0" cy="0"/>
+        </a:xfrm>
+      </p:grpSpPr>
       <p:sp>
         <p:nvSpPr>
           <p:cNvPr id="2" name="TextBox 1"/>
@@ -3580,7 +4347,7 @@
         <p:spPr>
           <a:xfrm>
             <a:off x="457200" y="1188720"/>
-            <a:ext cx="8229600" cy="5029200"/>
+            <a:ext cx="8229600" cy="2031325"/>
           </a:xfrm>
           <a:prstGeom prst="rect">
             <a:avLst/>
@@ -3593,14 +4360,88 @@
           </a:bodyPr>
           <a:lstStyle/>
           <a:p>
+            <a:pPr marL="285750" indent="-285750">
+              <a:buFont typeface="Arial" panose="020B0604020202020204" pitchFamily="34" charset="0"/>
+              <a:buChar char="•"/>
+              <a:defRPr sz="1400">
+                <a:latin typeface="Calibri"/>
+              </a:defRPr>
+            </a:pPr>
+            <a:r>
+              <a:rPr dirty="0"/>
+              <a:t>Reduces manual work and errors in test data preparation.</a:t>
+            </a:r>
+            <a:endParaRPr lang="en-IN" dirty="0"/>
+          </a:p>
+          <a:p>
             <a:pPr>
               <a:defRPr sz="1400">
                 <a:latin typeface="Calibri"/>
               </a:defRPr>
             </a:pPr>
-            <a:r>
-              <a:t>Reduces manual work and errors in test data preparation.</a:t>
-            </a:r>
+            <a:endParaRPr dirty="0"/>
+          </a:p>
+          <a:p>
+            <a:pPr marL="285750" indent="-285750">
+              <a:buFont typeface="Arial" panose="020B0604020202020204" pitchFamily="34" charset="0"/>
+              <a:buChar char="•"/>
+              <a:defRPr sz="1400">
+                <a:latin typeface="Calibri"/>
+              </a:defRPr>
+            </a:pPr>
+            <a:r>
+              <a:rPr dirty="0"/>
+              <a:t>Consistent naming and structure across teams and environments.</a:t>
+            </a:r>
+            <a:endParaRPr lang="en-IN" dirty="0"/>
+          </a:p>
+          <a:p>
+            <a:pPr marL="285750" indent="-285750">
+              <a:buFont typeface="Arial" panose="020B0604020202020204" pitchFamily="34" charset="0"/>
+              <a:buChar char="•"/>
+              <a:defRPr sz="1400">
+                <a:latin typeface="Calibri"/>
+              </a:defRPr>
+            </a:pPr>
+            <a:endParaRPr dirty="0"/>
+          </a:p>
+          <a:p>
+            <a:pPr marL="285750" indent="-285750">
+              <a:buFont typeface="Arial" panose="020B0604020202020204" pitchFamily="34" charset="0"/>
+              <a:buChar char="•"/>
+              <a:defRPr sz="1400">
+                <a:latin typeface="Calibri"/>
+              </a:defRPr>
+            </a:pPr>
+            <a:r>
+              <a:rPr dirty="0"/>
+              <a:t>Faster API test setup with ready-made Postman collections.</a:t>
+            </a:r>
+            <a:endParaRPr lang="en-IN" dirty="0"/>
+          </a:p>
+          <a:p>
+            <a:pPr marL="285750" indent="-285750">
+              <a:buFont typeface="Arial" panose="020B0604020202020204" pitchFamily="34" charset="0"/>
+              <a:buChar char="•"/>
+              <a:defRPr sz="1400">
+                <a:latin typeface="Calibri"/>
+              </a:defRPr>
+            </a:pPr>
+            <a:endParaRPr dirty="0"/>
+          </a:p>
+          <a:p>
+            <a:pPr marL="285750" indent="-285750">
+              <a:buFont typeface="Arial" panose="020B0604020202020204" pitchFamily="34" charset="0"/>
+              <a:buChar char="•"/>
+              <a:defRPr sz="1400">
+                <a:latin typeface="Calibri"/>
+              </a:defRPr>
+            </a:pPr>
+            <a:r>
+              <a:rPr dirty="0"/>
+              <a:t>Configurable and extensible for new models and environments.</a:t>
+            </a:r>
+            <a:endParaRPr lang="en-IN" dirty="0"/>
           </a:p>
           <a:p>
             <a:pPr>
@@ -3608,8 +4449,138 @@
                 <a:latin typeface="Calibri"/>
               </a:defRPr>
             </a:pPr>
-            <a:r>
-              <a:t>Consistent naming and structure across teams and environments.</a:t>
+            <a:endParaRPr dirty="0"/>
+          </a:p>
+          <a:p>
+            <a:pPr marL="285750" indent="-285750">
+              <a:buFont typeface="Arial" panose="020B0604020202020204" pitchFamily="34" charset="0"/>
+              <a:buChar char="•"/>
+              <a:defRPr sz="1400">
+                <a:latin typeface="Calibri"/>
+              </a:defRPr>
+            </a:pPr>
+            <a:r>
+              <a:rPr dirty="0"/>
+              <a:t>Suitable for presentation and submission to higher-level management.</a:t>
+            </a:r>
+          </a:p>
+        </p:txBody>
+      </p:sp>
+    </p:spTree>
+  </p:cSld>
+  <p:clrMapOvr>
+    <a:masterClrMapping/>
+  </p:clrMapOvr>
+</p:sld>
+</file>
+
+<file path=ppt/slides/slide6.xml><?xml version="1.0" encoding="utf-8"?>
+<p:sld xmlns:a="http://schemas.openxmlformats.org/drawingml/2006/main" xmlns:r="http://schemas.openxmlformats.org/officeDocument/2006/relationships" xmlns:p="http://schemas.openxmlformats.org/presentationml/2006/main">
+  <p:cSld>
+    <p:spTree>
+      <p:nvGrpSpPr>
+        <p:cNvPr id="1" name=""/>
+        <p:cNvGrpSpPr/>
+        <p:nvPr/>
+      </p:nvGrpSpPr>
+      <p:grpSpPr>
+        <a:xfrm>
+          <a:off x="0" y="0"/>
+          <a:ext cx="0" cy="0"/>
+          <a:chOff x="0" y="0"/>
+          <a:chExt cx="0" cy="0"/>
+        </a:xfrm>
+      </p:grpSpPr>
+      <p:sp>
+        <p:nvSpPr>
+          <p:cNvPr id="2" name="TextBox 1">
+            <a:extLst>
+              <a:ext uri="{FF2B5EF4-FFF2-40B4-BE49-F238E27FC236}">
+                <a16:creationId xmlns:a16="http://schemas.microsoft.com/office/drawing/2014/main" id="{60DA046A-A51E-BA5D-0B34-79BB75B1986D}"/>
+              </a:ext>
+            </a:extLst>
+          </p:cNvPr>
+          <p:cNvSpPr txBox="1"/>
+          <p:nvPr/>
+        </p:nvSpPr>
+        <p:spPr>
+          <a:xfrm>
+            <a:off x="457200" y="365760"/>
+            <a:ext cx="5306261" cy="954107"/>
+          </a:xfrm>
+          <a:prstGeom prst="rect">
+            <a:avLst/>
+          </a:prstGeom>
+          <a:noFill/>
+        </p:spPr>
+        <p:txBody>
+          <a:bodyPr wrap="none">
+            <a:spAutoFit/>
+          </a:bodyPr>
+          <a:lstStyle/>
+          <a:p>
+            <a:pPr>
+              <a:defRPr sz="2800" b="1">
+                <a:latin typeface="Calibri"/>
+              </a:defRPr>
+            </a:pPr>
+            <a:r>
+              <a:rPr lang="en-US" sz="2800" b="1" dirty="0"/>
+              <a:t>Healthcare Test Case Automation: </a:t>
+            </a:r>
+          </a:p>
+          <a:p>
+            <a:pPr>
+              <a:defRPr sz="2800" b="1">
+                <a:latin typeface="Calibri"/>
+              </a:defRPr>
+            </a:pPr>
+            <a:r>
+              <a:rPr lang="en-US" sz="2800" b="1" dirty="0"/>
+              <a:t>Time Savings Analysis</a:t>
+            </a:r>
+            <a:endParaRPr dirty="0"/>
+          </a:p>
+        </p:txBody>
+      </p:sp>
+      <p:sp>
+        <p:nvSpPr>
+          <p:cNvPr id="3" name="TextBox 2">
+            <a:extLst>
+              <a:ext uri="{FF2B5EF4-FFF2-40B4-BE49-F238E27FC236}">
+                <a16:creationId xmlns:a16="http://schemas.microsoft.com/office/drawing/2014/main" id="{5A3D82A5-14B5-F43A-3F6D-E40D802E518A}"/>
+              </a:ext>
+            </a:extLst>
+          </p:cNvPr>
+          <p:cNvSpPr txBox="1"/>
+          <p:nvPr/>
+        </p:nvSpPr>
+        <p:spPr>
+          <a:xfrm>
+            <a:off x="457200" y="1527048"/>
+            <a:ext cx="8229600" cy="1169551"/>
+          </a:xfrm>
+          <a:prstGeom prst="rect">
+            <a:avLst/>
+          </a:prstGeom>
+          <a:noFill/>
+        </p:spPr>
+        <p:txBody>
+          <a:bodyPr wrap="square">
+            <a:spAutoFit/>
+          </a:bodyPr>
+          <a:lstStyle/>
+          <a:p>
+            <a:pPr marL="285750" indent="-285750">
+              <a:buFont typeface="Arial" panose="020B0604020202020204" pitchFamily="34" charset="0"/>
+              <a:buChar char="•"/>
+              <a:defRPr sz="1400">
+                <a:latin typeface="Calibri"/>
+              </a:defRPr>
+            </a:pPr>
+            <a:r>
+              <a:rPr lang="en-US" dirty="0"/>
+              <a:t>Revolutionary Automation System</a:t>
             </a:r>
           </a:p>
           <a:p>
@@ -3618,8 +4589,19 @@
                 <a:latin typeface="Calibri"/>
               </a:defRPr>
             </a:pPr>
-            <a:r>
-              <a:t>Faster API test setup with ready-made Postman collections.</a:t>
+            <a:endParaRPr lang="en-US" dirty="0"/>
+          </a:p>
+          <a:p>
+            <a:pPr marL="285750" indent="-285750">
+              <a:buFont typeface="Arial" panose="020B0604020202020204" pitchFamily="34" charset="0"/>
+              <a:buChar char="•"/>
+              <a:defRPr sz="1400">
+                <a:latin typeface="Calibri"/>
+              </a:defRPr>
+            </a:pPr>
+            <a:r>
+              <a:rPr lang="en-US" dirty="0"/>
+              <a:t>99.98% Efficiency Improvement</a:t>
             </a:r>
           </a:p>
           <a:p>
@@ -3628,23 +4610,613 @@
                 <a:latin typeface="Calibri"/>
               </a:defRPr>
             </a:pPr>
-            <a:r>
-              <a:t>Configurable and extensible for new models and environments.</a:t>
-            </a:r>
-          </a:p>
-          <a:p>
-            <a:pPr>
+            <a:endParaRPr lang="en-US" dirty="0"/>
+          </a:p>
+          <a:p>
+            <a:pPr marL="285750" indent="-285750">
+              <a:buFont typeface="Arial" panose="020B0604020202020204" pitchFamily="34" charset="0"/>
+              <a:buChar char="•"/>
               <a:defRPr sz="1400">
                 <a:latin typeface="Calibri"/>
               </a:defRPr>
             </a:pPr>
             <a:r>
-              <a:t>Suitable for presentation and submission to higher-level management.</a:t>
-            </a:r>
+              <a:rPr lang="en-US" dirty="0"/>
+              <a:t>Transforming Healthcare Testing</a:t>
+            </a:r>
+            <a:endParaRPr dirty="0"/>
           </a:p>
         </p:txBody>
       </p:sp>
     </p:spTree>
+    <p:extLst>
+      <p:ext uri="{BB962C8B-B14F-4D97-AF65-F5344CB8AC3E}">
+        <p14:creationId xmlns:p14="http://schemas.microsoft.com/office/powerpoint/2010/main" val="3658710067"/>
+      </p:ext>
+    </p:extLst>
+  </p:cSld>
+  <p:clrMapOvr>
+    <a:masterClrMapping/>
+  </p:clrMapOvr>
+</p:sld>
+</file>
+
+<file path=ppt/slides/slide7.xml><?xml version="1.0" encoding="utf-8"?>
+<p:sld xmlns:a="http://schemas.openxmlformats.org/drawingml/2006/main" xmlns:r="http://schemas.openxmlformats.org/officeDocument/2006/relationships" xmlns:p="http://schemas.openxmlformats.org/presentationml/2006/main">
+  <p:cSld>
+    <p:spTree>
+      <p:nvGrpSpPr>
+        <p:cNvPr id="1" name=""/>
+        <p:cNvGrpSpPr/>
+        <p:nvPr/>
+      </p:nvGrpSpPr>
+      <p:grpSpPr>
+        <a:xfrm>
+          <a:off x="0" y="0"/>
+          <a:ext cx="0" cy="0"/>
+          <a:chOff x="0" y="0"/>
+          <a:chExt cx="0" cy="0"/>
+        </a:xfrm>
+      </p:grpSpPr>
+      <p:sp>
+        <p:nvSpPr>
+          <p:cNvPr id="2" name="TextBox 1">
+            <a:extLst>
+              <a:ext uri="{FF2B5EF4-FFF2-40B4-BE49-F238E27FC236}">
+                <a16:creationId xmlns:a16="http://schemas.microsoft.com/office/drawing/2014/main" id="{32C0D874-A06D-890A-25D5-FF0E4FBEEF84}"/>
+              </a:ext>
+            </a:extLst>
+          </p:cNvPr>
+          <p:cNvSpPr txBox="1"/>
+          <p:nvPr/>
+        </p:nvSpPr>
+        <p:spPr>
+          <a:xfrm>
+            <a:off x="457200" y="365760"/>
+            <a:ext cx="2969083" cy="523220"/>
+          </a:xfrm>
+          <a:prstGeom prst="rect">
+            <a:avLst/>
+          </a:prstGeom>
+          <a:noFill/>
+        </p:spPr>
+        <p:txBody>
+          <a:bodyPr wrap="none">
+            <a:spAutoFit/>
+          </a:bodyPr>
+          <a:lstStyle/>
+          <a:p>
+            <a:r>
+              <a:rPr lang="en-IN" sz="2800" b="1" dirty="0"/>
+              <a:t>Current</a:t>
+            </a:r>
+            <a:r>
+              <a:rPr lang="en-IN" b="1" dirty="0"/>
+              <a:t> </a:t>
+            </a:r>
+            <a:r>
+              <a:rPr lang="en-IN" sz="2800" b="1" dirty="0"/>
+              <a:t>Challenges</a:t>
+            </a:r>
+          </a:p>
+        </p:txBody>
+      </p:sp>
+      <p:sp>
+        <p:nvSpPr>
+          <p:cNvPr id="3" name="TextBox 2">
+            <a:extLst>
+              <a:ext uri="{FF2B5EF4-FFF2-40B4-BE49-F238E27FC236}">
+                <a16:creationId xmlns:a16="http://schemas.microsoft.com/office/drawing/2014/main" id="{3F4FE616-3DF0-4EAB-4997-2C413D5CDDB6}"/>
+              </a:ext>
+            </a:extLst>
+          </p:cNvPr>
+          <p:cNvSpPr txBox="1"/>
+          <p:nvPr/>
+        </p:nvSpPr>
+        <p:spPr>
+          <a:xfrm>
+            <a:off x="393192" y="1152144"/>
+            <a:ext cx="8229600" cy="1754326"/>
+          </a:xfrm>
+          <a:prstGeom prst="rect">
+            <a:avLst/>
+          </a:prstGeom>
+          <a:noFill/>
+        </p:spPr>
+        <p:txBody>
+          <a:bodyPr wrap="square">
+            <a:spAutoFit/>
+          </a:bodyPr>
+          <a:lstStyle/>
+          <a:p>
+            <a:r>
+              <a:rPr lang="en-IN" b="1" dirty="0"/>
+              <a:t>Manual Processing Bottlenecks</a:t>
+            </a:r>
+            <a:endParaRPr lang="en-IN" dirty="0"/>
+          </a:p>
+          <a:p>
+            <a:pPr marL="285750" indent="-285750">
+              <a:buFont typeface="Wingdings" panose="05000000000000000000" pitchFamily="2" charset="2"/>
+              <a:buChar char="ü"/>
+            </a:pPr>
+            <a:r>
+              <a:rPr lang="en-IN" dirty="0"/>
+              <a:t>⏱️ 17+ minutes for 20 JSON files</a:t>
+            </a:r>
+          </a:p>
+          <a:p>
+            <a:pPr marL="285750" indent="-285750">
+              <a:buFont typeface="Wingdings" panose="05000000000000000000" pitchFamily="2" charset="2"/>
+              <a:buChar char="ü"/>
+            </a:pPr>
+            <a:r>
+              <a:rPr lang="en-IN" dirty="0"/>
+              <a:t>🔄 24+ minutes for Bruno collections</a:t>
+            </a:r>
+          </a:p>
+          <a:p>
+            <a:pPr marL="285750" indent="-285750">
+              <a:buFont typeface="Wingdings" panose="05000000000000000000" pitchFamily="2" charset="2"/>
+              <a:buChar char="ü"/>
+            </a:pPr>
+            <a:r>
+              <a:rPr lang="en-IN" dirty="0"/>
+              <a:t>👥 High labour costs</a:t>
+            </a:r>
+          </a:p>
+          <a:p>
+            <a:pPr marL="285750" indent="-285750">
+              <a:buFont typeface="Wingdings" panose="05000000000000000000" pitchFamily="2" charset="2"/>
+              <a:buChar char="ü"/>
+            </a:pPr>
+            <a:r>
+              <a:rPr lang="en-IN" dirty="0"/>
+              <a:t>⚠️ Human error risks</a:t>
+            </a:r>
+          </a:p>
+          <a:p>
+            <a:pPr marL="285750" indent="-285750">
+              <a:buFont typeface="Wingdings" panose="05000000000000000000" pitchFamily="2" charset="2"/>
+              <a:buChar char="ü"/>
+            </a:pPr>
+            <a:r>
+              <a:rPr lang="en-IN" dirty="0"/>
+              <a:t>📈 Scalability limitations</a:t>
+            </a:r>
+          </a:p>
+        </p:txBody>
+      </p:sp>
+      <p:sp>
+        <p:nvSpPr>
+          <p:cNvPr id="4" name="TextBox 3">
+            <a:extLst>
+              <a:ext uri="{FF2B5EF4-FFF2-40B4-BE49-F238E27FC236}">
+                <a16:creationId xmlns:a16="http://schemas.microsoft.com/office/drawing/2014/main" id="{437A703B-FD1E-6BF5-240E-A5B037DA0BE2}"/>
+              </a:ext>
+            </a:extLst>
+          </p:cNvPr>
+          <p:cNvSpPr txBox="1"/>
+          <p:nvPr/>
+        </p:nvSpPr>
+        <p:spPr>
+          <a:xfrm>
+            <a:off x="393192" y="3255264"/>
+            <a:ext cx="3813048" cy="2308324"/>
+          </a:xfrm>
+          <a:prstGeom prst="rect">
+            <a:avLst/>
+          </a:prstGeom>
+          <a:noFill/>
+        </p:spPr>
+        <p:txBody>
+          <a:bodyPr wrap="square" rtlCol="0">
+            <a:spAutoFit/>
+          </a:bodyPr>
+          <a:lstStyle/>
+          <a:p>
+            <a:r>
+              <a:rPr lang="en-IN" b="1" dirty="0"/>
+              <a:t>Intelligent Automation System</a:t>
+            </a:r>
+            <a:endParaRPr lang="en-IN" dirty="0"/>
+          </a:p>
+          <a:p>
+            <a:pPr marL="285750" indent="-285750">
+              <a:buFont typeface="Wingdings" panose="05000000000000000000" pitchFamily="2" charset="2"/>
+              <a:buChar char="ü"/>
+            </a:pPr>
+            <a:r>
+              <a:rPr lang="en-IN" dirty="0"/>
+              <a:t>🚀 AUTO Mode: 181.12 </a:t>
+            </a:r>
+            <a:r>
+              <a:rPr lang="en-IN" dirty="0" err="1"/>
+              <a:t>ms</a:t>
+            </a:r>
+            <a:r>
+              <a:rPr lang="en-IN" dirty="0"/>
+              <a:t> total processing</a:t>
+            </a:r>
+          </a:p>
+          <a:p>
+            <a:pPr marL="285750" indent="-285750">
+              <a:buFont typeface="Wingdings" panose="05000000000000000000" pitchFamily="2" charset="2"/>
+              <a:buChar char="ü"/>
+            </a:pPr>
+            <a:r>
+              <a:rPr lang="en-IN" dirty="0"/>
+              <a:t>🎯 Model Decision Mode: 182.69 </a:t>
+            </a:r>
+            <a:r>
+              <a:rPr lang="en-IN" dirty="0" err="1"/>
+              <a:t>ms</a:t>
+            </a:r>
+            <a:endParaRPr lang="en-IN" dirty="0"/>
+          </a:p>
+          <a:p>
+            <a:pPr marL="285750" indent="-285750">
+              <a:buFont typeface="Wingdings" panose="05000000000000000000" pitchFamily="2" charset="2"/>
+              <a:buChar char="ü"/>
+            </a:pPr>
+            <a:r>
+              <a:rPr lang="en-IN" dirty="0"/>
+              <a:t>⚡ 99.98% faster than manual</a:t>
+            </a:r>
+          </a:p>
+          <a:p>
+            <a:pPr marL="285750" indent="-285750">
+              <a:buFont typeface="Wingdings" panose="05000000000000000000" pitchFamily="2" charset="2"/>
+              <a:buChar char="ü"/>
+            </a:pPr>
+            <a:r>
+              <a:rPr lang="en-IN" dirty="0"/>
+              <a:t>🔄 Consistent quality output</a:t>
+            </a:r>
+          </a:p>
+          <a:p>
+            <a:pPr marL="285750" indent="-285750">
+              <a:buFont typeface="Wingdings" panose="05000000000000000000" pitchFamily="2" charset="2"/>
+              <a:buChar char="ü"/>
+            </a:pPr>
+            <a:r>
+              <a:rPr lang="en-IN" dirty="0"/>
+              <a:t>📊 Real-time processing</a:t>
+            </a:r>
+          </a:p>
+        </p:txBody>
+      </p:sp>
+    </p:spTree>
+    <p:extLst>
+      <p:ext uri="{BB962C8B-B14F-4D97-AF65-F5344CB8AC3E}">
+        <p14:creationId xmlns:p14="http://schemas.microsoft.com/office/powerpoint/2010/main" val="3159394374"/>
+      </p:ext>
+    </p:extLst>
+  </p:cSld>
+  <p:clrMapOvr>
+    <a:masterClrMapping/>
+  </p:clrMapOvr>
+</p:sld>
+</file>
+
+<file path=ppt/slides/slide8.xml><?xml version="1.0" encoding="utf-8"?>
+<p:sld xmlns:a="http://schemas.openxmlformats.org/drawingml/2006/main" xmlns:r="http://schemas.openxmlformats.org/officeDocument/2006/relationships" xmlns:p="http://schemas.openxmlformats.org/presentationml/2006/main">
+  <p:cSld>
+    <p:spTree>
+      <p:nvGrpSpPr>
+        <p:cNvPr id="1" name=""/>
+        <p:cNvGrpSpPr/>
+        <p:nvPr/>
+      </p:nvGrpSpPr>
+      <p:grpSpPr>
+        <a:xfrm>
+          <a:off x="0" y="0"/>
+          <a:ext cx="0" cy="0"/>
+          <a:chOff x="0" y="0"/>
+          <a:chExt cx="0" cy="0"/>
+        </a:xfrm>
+      </p:grpSpPr>
+      <p:sp>
+        <p:nvSpPr>
+          <p:cNvPr id="4" name="TextBox 3">
+            <a:extLst>
+              <a:ext uri="{FF2B5EF4-FFF2-40B4-BE49-F238E27FC236}">
+                <a16:creationId xmlns:a16="http://schemas.microsoft.com/office/drawing/2014/main" id="{ADE002E8-5AE9-D1CB-96AF-6E83E4AB0B71}"/>
+              </a:ext>
+            </a:extLst>
+          </p:cNvPr>
+          <p:cNvSpPr txBox="1"/>
+          <p:nvPr/>
+        </p:nvSpPr>
+        <p:spPr>
+          <a:xfrm>
+            <a:off x="457200" y="365760"/>
+            <a:ext cx="4523995" cy="584775"/>
+          </a:xfrm>
+          <a:prstGeom prst="rect">
+            <a:avLst/>
+          </a:prstGeom>
+          <a:noFill/>
+        </p:spPr>
+        <p:txBody>
+          <a:bodyPr wrap="none">
+            <a:spAutoFit/>
+          </a:bodyPr>
+          <a:lstStyle/>
+          <a:p>
+            <a:r>
+              <a:rPr lang="en-IN" sz="3200" b="1" dirty="0"/>
+              <a:t>Performance Comparison</a:t>
+            </a:r>
+          </a:p>
+        </p:txBody>
+      </p:sp>
+      <p:pic>
+        <p:nvPicPr>
+          <p:cNvPr id="14" name="Picture 13">
+            <a:extLst>
+              <a:ext uri="{FF2B5EF4-FFF2-40B4-BE49-F238E27FC236}">
+                <a16:creationId xmlns:a16="http://schemas.microsoft.com/office/drawing/2014/main" id="{42E8BE03-EA4E-E138-EE7A-74B1705C7F5D}"/>
+              </a:ext>
+            </a:extLst>
+          </p:cNvPr>
+          <p:cNvPicPr>
+            <a:picLocks noChangeAspect="1"/>
+          </p:cNvPicPr>
+          <p:nvPr/>
+        </p:nvPicPr>
+        <p:blipFill>
+          <a:blip r:embed="rId2"/>
+          <a:stretch>
+            <a:fillRect/>
+          </a:stretch>
+        </p:blipFill>
+        <p:spPr>
+          <a:xfrm>
+            <a:off x="457200" y="1019482"/>
+            <a:ext cx="5952744" cy="2493414"/>
+          </a:xfrm>
+          <a:prstGeom prst="rect">
+            <a:avLst/>
+          </a:prstGeom>
+        </p:spPr>
+      </p:pic>
+      <p:pic>
+        <p:nvPicPr>
+          <p:cNvPr id="16" name="Picture 15">
+            <a:extLst>
+              <a:ext uri="{FF2B5EF4-FFF2-40B4-BE49-F238E27FC236}">
+                <a16:creationId xmlns:a16="http://schemas.microsoft.com/office/drawing/2014/main" id="{1726CE28-B7E0-DBDC-7D9F-52178BE5C8F0}"/>
+              </a:ext>
+            </a:extLst>
+          </p:cNvPr>
+          <p:cNvPicPr>
+            <a:picLocks noChangeAspect="1"/>
+          </p:cNvPicPr>
+          <p:nvPr/>
+        </p:nvPicPr>
+        <p:blipFill>
+          <a:blip r:embed="rId3"/>
+          <a:stretch>
+            <a:fillRect/>
+          </a:stretch>
+        </p:blipFill>
+        <p:spPr>
+          <a:xfrm>
+            <a:off x="457200" y="4097963"/>
+            <a:ext cx="5952744" cy="2462425"/>
+          </a:xfrm>
+          <a:prstGeom prst="rect">
+            <a:avLst/>
+          </a:prstGeom>
+        </p:spPr>
+      </p:pic>
+    </p:spTree>
+    <p:extLst>
+      <p:ext uri="{BB962C8B-B14F-4D97-AF65-F5344CB8AC3E}">
+        <p14:creationId xmlns:p14="http://schemas.microsoft.com/office/powerpoint/2010/main" val="3645993319"/>
+      </p:ext>
+    </p:extLst>
+  </p:cSld>
+  <p:clrMapOvr>
+    <a:masterClrMapping/>
+  </p:clrMapOvr>
+</p:sld>
+</file>
+
+<file path=ppt/slides/slide9.xml><?xml version="1.0" encoding="utf-8"?>
+<p:sld xmlns:a="http://schemas.openxmlformats.org/drawingml/2006/main" xmlns:r="http://schemas.openxmlformats.org/officeDocument/2006/relationships" xmlns:p="http://schemas.openxmlformats.org/presentationml/2006/main">
+  <p:cSld>
+    <p:spTree>
+      <p:nvGrpSpPr>
+        <p:cNvPr id="1" name=""/>
+        <p:cNvGrpSpPr/>
+        <p:nvPr/>
+      </p:nvGrpSpPr>
+      <p:grpSpPr>
+        <a:xfrm>
+          <a:off x="0" y="0"/>
+          <a:ext cx="0" cy="0"/>
+          <a:chOff x="0" y="0"/>
+          <a:chExt cx="0" cy="0"/>
+        </a:xfrm>
+      </p:grpSpPr>
+      <p:sp>
+        <p:nvSpPr>
+          <p:cNvPr id="2" name="TextBox 1">
+            <a:extLst>
+              <a:ext uri="{FF2B5EF4-FFF2-40B4-BE49-F238E27FC236}">
+                <a16:creationId xmlns:a16="http://schemas.microsoft.com/office/drawing/2014/main" id="{2C07B7EB-2F1D-52C6-1C63-3ACC50C642DC}"/>
+              </a:ext>
+            </a:extLst>
+          </p:cNvPr>
+          <p:cNvSpPr txBox="1"/>
+          <p:nvPr/>
+        </p:nvSpPr>
+        <p:spPr>
+          <a:xfrm>
+            <a:off x="457200" y="365760"/>
+            <a:ext cx="2028504" cy="523220"/>
+          </a:xfrm>
+          <a:prstGeom prst="rect">
+            <a:avLst/>
+          </a:prstGeom>
+          <a:noFill/>
+        </p:spPr>
+        <p:txBody>
+          <a:bodyPr wrap="none">
+            <a:spAutoFit/>
+          </a:bodyPr>
+          <a:lstStyle/>
+          <a:p>
+            <a:r>
+              <a:rPr lang="en-IN" sz="2800" b="1" dirty="0"/>
+              <a:t>Key Benefits</a:t>
+            </a:r>
+          </a:p>
+        </p:txBody>
+      </p:sp>
+      <p:sp>
+        <p:nvSpPr>
+          <p:cNvPr id="5" name="TextBox 4">
+            <a:extLst>
+              <a:ext uri="{FF2B5EF4-FFF2-40B4-BE49-F238E27FC236}">
+                <a16:creationId xmlns:a16="http://schemas.microsoft.com/office/drawing/2014/main" id="{670191F2-B151-E07F-89DA-715264817542}"/>
+              </a:ext>
+            </a:extLst>
+          </p:cNvPr>
+          <p:cNvSpPr txBox="1"/>
+          <p:nvPr/>
+        </p:nvSpPr>
+        <p:spPr>
+          <a:xfrm>
+            <a:off x="457200" y="1232618"/>
+            <a:ext cx="3995928" cy="4801314"/>
+          </a:xfrm>
+          <a:prstGeom prst="rect">
+            <a:avLst/>
+          </a:prstGeom>
+          <a:noFill/>
+        </p:spPr>
+        <p:txBody>
+          <a:bodyPr wrap="square" rtlCol="0">
+            <a:spAutoFit/>
+          </a:bodyPr>
+          <a:lstStyle/>
+          <a:p>
+            <a:r>
+              <a:rPr lang="en-US" b="1" dirty="0"/>
+              <a:t>Strategic Advantages</a:t>
+            </a:r>
+            <a:endParaRPr lang="en-US" dirty="0"/>
+          </a:p>
+          <a:p>
+            <a:r>
+              <a:rPr lang="en-US" b="1" dirty="0"/>
+              <a:t>Massive Efficiency Gains</a:t>
+            </a:r>
+            <a:endParaRPr lang="en-US" dirty="0"/>
+          </a:p>
+          <a:p>
+            <a:pPr lvl="1"/>
+            <a:r>
+              <a:rPr lang="en-US" dirty="0"/>
+              <a:t>99.98% time reduction</a:t>
+            </a:r>
+          </a:p>
+          <a:p>
+            <a:pPr lvl="1"/>
+            <a:r>
+              <a:rPr lang="en-US" dirty="0"/>
+              <a:t>Near-instant processing</a:t>
+            </a:r>
+          </a:p>
+          <a:p>
+            <a:pPr lvl="1"/>
+            <a:endParaRPr lang="en-US" dirty="0"/>
+          </a:p>
+          <a:p>
+            <a:r>
+              <a:rPr lang="en-US" b="1" dirty="0"/>
+              <a:t>Quality Assurance</a:t>
+            </a:r>
+            <a:endParaRPr lang="en-US" dirty="0"/>
+          </a:p>
+          <a:p>
+            <a:pPr lvl="1"/>
+            <a:r>
+              <a:rPr lang="en-US" dirty="0"/>
+              <a:t>Zero human error</a:t>
+            </a:r>
+          </a:p>
+          <a:p>
+            <a:pPr lvl="1"/>
+            <a:r>
+              <a:rPr lang="en-US" dirty="0"/>
+              <a:t>Consistent output</a:t>
+            </a:r>
+          </a:p>
+          <a:p>
+            <a:pPr lvl="1"/>
+            <a:endParaRPr lang="en-US" dirty="0"/>
+          </a:p>
+          <a:p>
+            <a:r>
+              <a:rPr lang="en-US" b="1" dirty="0"/>
+              <a:t>Business Agility</a:t>
+            </a:r>
+            <a:endParaRPr lang="en-US" dirty="0"/>
+          </a:p>
+          <a:p>
+            <a:pPr lvl="1"/>
+            <a:r>
+              <a:rPr lang="en-US" dirty="0"/>
+              <a:t>Faster time-to-market</a:t>
+            </a:r>
+          </a:p>
+          <a:p>
+            <a:pPr lvl="1"/>
+            <a:r>
+              <a:rPr lang="en-US" dirty="0"/>
+              <a:t>Rapid testing cycles</a:t>
+            </a:r>
+          </a:p>
+          <a:p>
+            <a:pPr lvl="1"/>
+            <a:endParaRPr lang="en-US" dirty="0"/>
+          </a:p>
+          <a:p>
+            <a:r>
+              <a:rPr lang="en-US" b="1" dirty="0"/>
+              <a:t>Cost Optimization</a:t>
+            </a:r>
+            <a:endParaRPr lang="en-US" dirty="0"/>
+          </a:p>
+          <a:p>
+            <a:pPr lvl="1"/>
+            <a:r>
+              <a:rPr lang="en-US" dirty="0"/>
+              <a:t>Significant labor savings</a:t>
+            </a:r>
+          </a:p>
+          <a:p>
+            <a:pPr lvl="1"/>
+            <a:r>
+              <a:rPr lang="en-US" dirty="0"/>
+              <a:t>Reduced operational costs</a:t>
+            </a:r>
+          </a:p>
+          <a:p>
+            <a:endParaRPr lang="en-IN" dirty="0"/>
+          </a:p>
+        </p:txBody>
+      </p:sp>
+    </p:spTree>
+    <p:extLst>
+      <p:ext uri="{BB962C8B-B14F-4D97-AF65-F5344CB8AC3E}">
+        <p14:creationId xmlns:p14="http://schemas.microsoft.com/office/powerpoint/2010/main" val="919026307"/>
+      </p:ext>
+    </p:extLst>
   </p:cSld>
   <p:clrMapOvr>
     <a:masterClrMapping/>
